--- a/Autoscaling in Kubernetes - Final Presentation.pptx
+++ b/Autoscaling in Kubernetes - Final Presentation.pptx
@@ -5,28 +5,29 @@
     <p:sldMasterId id="2147483770" r:id="rId1"/>
   </p:sldMasterIdLst>
   <p:notesMasterIdLst>
-    <p:notesMasterId r:id="rId21"/>
+    <p:notesMasterId r:id="rId22"/>
   </p:notesMasterIdLst>
   <p:sldIdLst>
     <p:sldId id="257" r:id="rId2"/>
     <p:sldId id="258" r:id="rId3"/>
     <p:sldId id="259" r:id="rId4"/>
     <p:sldId id="260" r:id="rId5"/>
-    <p:sldId id="261" r:id="rId6"/>
-    <p:sldId id="262" r:id="rId7"/>
-    <p:sldId id="275" r:id="rId8"/>
-    <p:sldId id="264" r:id="rId9"/>
-    <p:sldId id="276" r:id="rId10"/>
-    <p:sldId id="277" r:id="rId11"/>
-    <p:sldId id="267" r:id="rId12"/>
-    <p:sldId id="280" r:id="rId13"/>
-    <p:sldId id="278" r:id="rId14"/>
-    <p:sldId id="279" r:id="rId15"/>
-    <p:sldId id="270" r:id="rId16"/>
-    <p:sldId id="271" r:id="rId17"/>
-    <p:sldId id="272" r:id="rId18"/>
-    <p:sldId id="273" r:id="rId19"/>
-    <p:sldId id="274" r:id="rId20"/>
+    <p:sldId id="281" r:id="rId6"/>
+    <p:sldId id="261" r:id="rId7"/>
+    <p:sldId id="262" r:id="rId8"/>
+    <p:sldId id="275" r:id="rId9"/>
+    <p:sldId id="264" r:id="rId10"/>
+    <p:sldId id="276" r:id="rId11"/>
+    <p:sldId id="277" r:id="rId12"/>
+    <p:sldId id="267" r:id="rId13"/>
+    <p:sldId id="280" r:id="rId14"/>
+    <p:sldId id="278" r:id="rId15"/>
+    <p:sldId id="279" r:id="rId16"/>
+    <p:sldId id="270" r:id="rId17"/>
+    <p:sldId id="271" r:id="rId18"/>
+    <p:sldId id="272" r:id="rId19"/>
+    <p:sldId id="273" r:id="rId20"/>
+    <p:sldId id="274" r:id="rId21"/>
   </p:sldIdLst>
   <p:sldSz cx="12192000" cy="6858000"/>
   <p:notesSz cx="6858000" cy="9144000"/>
@@ -4634,9 +4635,9 @@
     <dgm:cxn modelId="{B677A323-1EE5-45BB-A930-B1FC871C2A7A}" type="presOf" srcId="{3451DD36-65D6-4848-9913-3764F2764E95}" destId="{4474034C-0B55-4858-918A-A460728A2FB9}" srcOrd="0" destOrd="0" presId="urn:microsoft.com/office/officeart/2009/3/layout/HorizontalOrganizationChart"/>
     <dgm:cxn modelId="{D8B0E53B-B2E9-403C-A1D3-EF4EAE84C93A}" type="presOf" srcId="{B8E01539-0AA6-461D-950B-98DB6E41C5C7}" destId="{96756A10-B455-4AB8-9E92-F9C95454BA7A}" srcOrd="0" destOrd="0" presId="urn:microsoft.com/office/officeart/2009/3/layout/HorizontalOrganizationChart"/>
     <dgm:cxn modelId="{BB3CC448-CB30-4A3E-8F68-1DFDAC21C957}" type="presOf" srcId="{BF0F2CD1-A6A0-4A08-95F2-F3AFA4100420}" destId="{265FD695-414E-43B9-822A-F78F5891D87C}" srcOrd="0" destOrd="0" presId="urn:microsoft.com/office/officeart/2009/3/layout/HorizontalOrganizationChart"/>
+    <dgm:cxn modelId="{5F6D4F72-8807-4C7D-B5E5-649CA1885E63}" type="presOf" srcId="{8E5E9B72-9959-40CD-9207-8951AA9A11F2}" destId="{308BDDA2-13C9-44D8-97A8-2470CB7E9D05}" srcOrd="0" destOrd="0" presId="urn:microsoft.com/office/officeart/2009/3/layout/HorizontalOrganizationChart"/>
     <dgm:cxn modelId="{CA923153-3844-4F2A-A38A-2338EF58B129}" type="presOf" srcId="{7F0F063D-6AAC-4ADB-91BD-F5293C4B9E71}" destId="{9FC70707-18D9-4A87-BFB9-83A577276A51}" srcOrd="0" destOrd="0" presId="urn:microsoft.com/office/officeart/2009/3/layout/HorizontalOrganizationChart"/>
     <dgm:cxn modelId="{3BB6F659-CCB9-4ADE-A6C5-39878E88CFD8}" type="presOf" srcId="{A613B184-2B4C-4FE6-B83F-A03F95D322DD}" destId="{8556ADD2-EB77-47CF-B5F3-F2B96DF77964}" srcOrd="0" destOrd="0" presId="urn:microsoft.com/office/officeart/2009/3/layout/HorizontalOrganizationChart"/>
-    <dgm:cxn modelId="{5F6D4F72-8807-4C7D-B5E5-649CA1885E63}" type="presOf" srcId="{8E5E9B72-9959-40CD-9207-8951AA9A11F2}" destId="{308BDDA2-13C9-44D8-97A8-2470CB7E9D05}" srcOrd="0" destOrd="0" presId="urn:microsoft.com/office/officeart/2009/3/layout/HorizontalOrganizationChart"/>
     <dgm:cxn modelId="{BCAF0F82-5F51-496E-8451-83B80925F4A9}" type="presOf" srcId="{374EA3E6-3E98-4E67-916B-5510C399F408}" destId="{92A479E4-9E3B-4D34-9113-F53AC908BF79}" srcOrd="1" destOrd="0" presId="urn:microsoft.com/office/officeart/2009/3/layout/HorizontalOrganizationChart"/>
     <dgm:cxn modelId="{8BA06A87-B616-4A7A-A2ED-F6A20C5CF148}" srcId="{8E5E9B72-9959-40CD-9207-8951AA9A11F2}" destId="{17F324ED-4EBC-49F1-830A-E243BBE80187}" srcOrd="0" destOrd="0" parTransId="{7F0F063D-6AAC-4ADB-91BD-F5293C4B9E71}" sibTransId="{6C229BB8-64DB-4CFA-BD31-E3830218B441}"/>
     <dgm:cxn modelId="{4CB87488-B410-45E0-AEC1-280AC4CD0264}" type="presOf" srcId="{8E5E9B72-9959-40CD-9207-8951AA9A11F2}" destId="{81011FC4-16F4-4976-BB9A-C786FC9CB9B4}" srcOrd="1" destOrd="0" presId="urn:microsoft.com/office/officeart/2009/3/layout/HorizontalOrganizationChart"/>
@@ -4958,8 +4959,8 @@
   <dgm:cxnLst>
     <dgm:cxn modelId="{FA2D041B-D336-4B74-83A3-74437DF549E6}" srcId="{D3908823-0D7B-4DB4-B8FC-29F1DA9C3236}" destId="{3D64FC83-37D8-4C83-BE44-6ADC1F201ABE}" srcOrd="1" destOrd="0" parTransId="{F6C99869-E1A2-4177-9F1B-65AF436E0324}" sibTransId="{D7D56C32-E0EE-423B-92FD-6E58D8F95459}"/>
     <dgm:cxn modelId="{8E78293D-6F43-4E96-95B5-BB7559E69F8B}" srcId="{36FC796D-7D47-449F-B620-F44D901E5B2D}" destId="{9851E503-0B11-4F2B-8C39-CD67CD635496}" srcOrd="1" destOrd="0" parTransId="{0C0EE30C-B2B8-43A8-8F86-D1A64FAB7A9C}" sibTransId="{E51B742F-297B-4BED-B26A-BF924ED7F667}"/>
+    <dgm:cxn modelId="{846DD55C-4A88-4076-912B-1EC8232E7BC8}" srcId="{D3908823-0D7B-4DB4-B8FC-29F1DA9C3236}" destId="{2668B007-B42C-4F03-AA1D-E55B1F5EBF46}" srcOrd="2" destOrd="0" parTransId="{00979F2F-3202-4E20-9E43-04E67FF1D144}" sibTransId="{442A39A2-16D7-4634-A3AD-7169EA2FA5E7}"/>
     <dgm:cxn modelId="{21A8AF4D-C4D8-45C3-B28D-8C5E1CA56402}" srcId="{36FC796D-7D47-449F-B620-F44D901E5B2D}" destId="{D3908823-0D7B-4DB4-B8FC-29F1DA9C3236}" srcOrd="0" destOrd="0" parTransId="{E5C84E17-03FB-4EC6-B916-94F874BFBFDF}" sibTransId="{1AAE3FE3-83FC-4373-A677-15D0469E3558}"/>
-    <dgm:cxn modelId="{846DD55C-4A88-4076-912B-1EC8232E7BC8}" srcId="{D3908823-0D7B-4DB4-B8FC-29F1DA9C3236}" destId="{2668B007-B42C-4F03-AA1D-E55B1F5EBF46}" srcOrd="2" destOrd="0" parTransId="{00979F2F-3202-4E20-9E43-04E67FF1D144}" sibTransId="{442A39A2-16D7-4634-A3AD-7169EA2FA5E7}"/>
     <dgm:cxn modelId="{75E6F56D-BF5D-433C-9D1D-B77E1A542218}" type="presOf" srcId="{D3908823-0D7B-4DB4-B8FC-29F1DA9C3236}" destId="{135DE6FB-B636-4E4B-A102-82D3C107F5AE}" srcOrd="1" destOrd="0" presId="urn:microsoft.com/office/officeart/2005/8/layout/process4"/>
     <dgm:cxn modelId="{5CD93077-9924-4151-ABD4-A49A8C05E20D}" type="presOf" srcId="{D3908823-0D7B-4DB4-B8FC-29F1DA9C3236}" destId="{DA5E4976-A98F-4F76-9650-DDE217ED87BB}" srcOrd="0" destOrd="0" presId="urn:microsoft.com/office/officeart/2005/8/layout/process4"/>
     <dgm:cxn modelId="{B53A7C80-E871-4013-BC70-F26EF8C890E5}" type="presOf" srcId="{3D64FC83-37D8-4C83-BE44-6ADC1F201ABE}" destId="{28D3857D-F147-46CF-8452-86EC58AD6453}" srcOrd="0" destOrd="0" presId="urn:microsoft.com/office/officeart/2005/8/layout/process4"/>
@@ -5661,12 +5662,12 @@
     <dgm:cxn modelId="{79E40E2D-6741-4384-872D-020408AD2F8B}" type="presOf" srcId="{0942982D-E400-4FA4-84E3-8762CF55633D}" destId="{EF940B65-1FB0-4044-A69B-2517509064BA}" srcOrd="0" destOrd="0" presId="urn:microsoft.com/office/officeart/2005/8/layout/hierarchy3"/>
     <dgm:cxn modelId="{1EA9A536-E7EF-456D-B916-633D0A1F6A14}" srcId="{D901A9C1-98A9-41F5-AEBC-69825A9EB649}" destId="{2194F540-D445-4750-A7B7-0CCA7943F597}" srcOrd="1" destOrd="0" parTransId="{3A377D3E-CEB9-4225-BD9D-CB1F658F1700}" sibTransId="{A8816EC0-CC2F-42DF-9F78-3FF8AE36E0FD}"/>
     <dgm:cxn modelId="{A4C7D23F-8E6C-47A8-88C5-9C0A25929BB9}" type="presOf" srcId="{A02ABC4B-40F5-4708-8F76-3955CBCEC494}" destId="{456AC6DB-D602-4D0A-89C1-F48A7A4F416A}" srcOrd="0" destOrd="0" presId="urn:microsoft.com/office/officeart/2005/8/layout/hierarchy3"/>
-    <dgm:cxn modelId="{F0011D45-115D-42A8-9432-712242060341}" srcId="{F5B3C14A-012E-4B3C-82C3-29BF5FF1DB8B}" destId="{5EA4421B-7A1B-44AD-8E59-4BC4FB9167A8}" srcOrd="0" destOrd="0" parTransId="{717F4195-CC41-46EF-9277-1F7B71625012}" sibTransId="{C48FA4C5-2924-4A91-8C21-43DF82B16958}"/>
-    <dgm:cxn modelId="{A4400746-57D3-4798-B3DB-0688DBB12925}" srcId="{F5B3C14A-012E-4B3C-82C3-29BF5FF1DB8B}" destId="{D901A9C1-98A9-41F5-AEBC-69825A9EB649}" srcOrd="3" destOrd="0" parTransId="{133A867B-A35C-4168-B22E-EED57E485C80}" sibTransId="{0402017E-819D-45DE-BC1E-F89B945DE97C}"/>
     <dgm:cxn modelId="{7804A25C-B18C-4677-97F1-AECEFE33B62F}" type="presOf" srcId="{F30A09BC-4FBF-405B-BB1D-E633191F8E2C}" destId="{C49F3867-AC49-4F13-A6EF-BEF608AB1592}" srcOrd="0" destOrd="0" presId="urn:microsoft.com/office/officeart/2005/8/layout/hierarchy3"/>
     <dgm:cxn modelId="{79EDBD61-98F9-43B7-808C-40E1596E2A53}" type="presOf" srcId="{2194F540-D445-4750-A7B7-0CCA7943F597}" destId="{2B6FF239-2078-4764-B779-834269FC6E88}" srcOrd="0" destOrd="0" presId="urn:microsoft.com/office/officeart/2005/8/layout/hierarchy3"/>
     <dgm:cxn modelId="{B6F21263-F7AD-43F7-B930-339D9091AB7A}" type="presOf" srcId="{271511E7-AD16-4A1A-B24F-086685D12FEA}" destId="{3BDEE6F3-8328-4624-96B7-43A3092AAEE0}" srcOrd="0" destOrd="0" presId="urn:microsoft.com/office/officeart/2005/8/layout/hierarchy3"/>
     <dgm:cxn modelId="{A07EFA63-D196-428D-8771-0ADF5989E684}" type="presOf" srcId="{ABAB7268-6DB1-483A-A32D-911C25DBE241}" destId="{8B254AD1-1BFF-4EE5-899F-F8B78C4B062B}" srcOrd="0" destOrd="0" presId="urn:microsoft.com/office/officeart/2005/8/layout/hierarchy3"/>
+    <dgm:cxn modelId="{F0011D45-115D-42A8-9432-712242060341}" srcId="{F5B3C14A-012E-4B3C-82C3-29BF5FF1DB8B}" destId="{5EA4421B-7A1B-44AD-8E59-4BC4FB9167A8}" srcOrd="0" destOrd="0" parTransId="{717F4195-CC41-46EF-9277-1F7B71625012}" sibTransId="{C48FA4C5-2924-4A91-8C21-43DF82B16958}"/>
+    <dgm:cxn modelId="{A4400746-57D3-4798-B3DB-0688DBB12925}" srcId="{F5B3C14A-012E-4B3C-82C3-29BF5FF1DB8B}" destId="{D901A9C1-98A9-41F5-AEBC-69825A9EB649}" srcOrd="3" destOrd="0" parTransId="{133A867B-A35C-4168-B22E-EED57E485C80}" sibTransId="{0402017E-819D-45DE-BC1E-F89B945DE97C}"/>
     <dgm:cxn modelId="{6F411D72-685E-49CE-A390-740C4376D075}" srcId="{F5B3C14A-012E-4B3C-82C3-29BF5FF1DB8B}" destId="{BB645C25-DC3F-4C40-A326-99577592B0D5}" srcOrd="2" destOrd="0" parTransId="{65273E22-1141-4FE2-B0D5-BD757AFBDD62}" sibTransId="{B22A542D-47BE-4573-80AF-8ACF585FFA7C}"/>
     <dgm:cxn modelId="{89AE7A73-AC06-412C-B96E-DD43065723B5}" srcId="{BB645C25-DC3F-4C40-A326-99577592B0D5}" destId="{F30A09BC-4FBF-405B-BB1D-E633191F8E2C}" srcOrd="1" destOrd="0" parTransId="{4E8B67EC-072E-4F1C-9412-17D65B3E360E}" sibTransId="{D8AC2281-F8F1-427A-A411-41770F2B5A5C}"/>
     <dgm:cxn modelId="{40190878-C6ED-47DE-A4E4-955AE80C173A}" type="presOf" srcId="{3CC70C39-8703-4F35-A4D1-8A4C25F11EA8}" destId="{1A0635EA-AD95-431F-AD05-D3F5AB8546CD}" srcOrd="0" destOrd="0" presId="urn:microsoft.com/office/officeart/2005/8/layout/hierarchy3"/>
@@ -6261,10 +6262,10 @@
     <dgm:cxn modelId="{5E39F41E-38BA-4795-AA1F-8687236CC847}" srcId="{089EED90-75B5-43FE-BAF8-AFAE3EBFD3AB}" destId="{AE68AA22-3710-4206-BD2B-047295C1FC22}" srcOrd="0" destOrd="0" parTransId="{067EDEE1-C11C-4757-B3F0-39B79A312EEF}" sibTransId="{B24F8F3A-4D5C-4866-B25D-6D89560BE2E9}"/>
     <dgm:cxn modelId="{FB359436-5B24-40DC-B794-57918D51AFC7}" srcId="{F2996275-BD25-4DDE-A091-6A715BF3CA21}" destId="{8926A1F0-DDE0-4D1A-BAC1-3BAEBD8EBB51}" srcOrd="0" destOrd="0" parTransId="{61D11026-9BE2-443A-9ABD-34A29C55D124}" sibTransId="{B0D97580-7E42-40CA-8B81-187C1D0FD481}"/>
     <dgm:cxn modelId="{F8CD1347-7524-4A18-9663-FE09DBEBB5FB}" srcId="{74BCBE2E-FCA9-4D85-9D1C-80EF9F5598BB}" destId="{0F55E6CE-324B-49C7-9223-0F8568F9F9A4}" srcOrd="0" destOrd="0" parTransId="{DC6994C5-88AE-4F1A-9918-83086937F640}" sibTransId="{A84A9695-DA5E-4E83-A550-829333D6DCC8}"/>
+    <dgm:cxn modelId="{27C9ED68-C6C7-4DED-ABDE-B3F2F455B0CA}" srcId="{089EED90-75B5-43FE-BAF8-AFAE3EBFD3AB}" destId="{F2996275-BD25-4DDE-A091-6A715BF3CA21}" srcOrd="2" destOrd="0" parTransId="{43AC10F8-D53A-4B44-A0BD-3C31DDDDEF7C}" sibTransId="{6B1D984F-AEF0-43AA-BCAE-0EAF004CE5E5}"/>
     <dgm:cxn modelId="{59BBAD4F-C02C-4977-900C-84AF6AC9D8EB}" type="presOf" srcId="{74BCBE2E-FCA9-4D85-9D1C-80EF9F5598BB}" destId="{D322C7F4-80E7-43B4-A33A-948FD39B3475}" srcOrd="0" destOrd="0" presId="urn:microsoft.com/office/officeart/2005/8/layout/vList2"/>
     <dgm:cxn modelId="{EE530854-53A2-4690-AB74-2904A3049255}" srcId="{089EED90-75B5-43FE-BAF8-AFAE3EBFD3AB}" destId="{DBF9B5DC-9506-487F-8271-1D93DDB49EB4}" srcOrd="1" destOrd="0" parTransId="{2AC2281D-253D-4C70-95F8-1E7B7E86AE83}" sibTransId="{F3F5154F-F542-4288-8E0F-483B98BD3652}"/>
     <dgm:cxn modelId="{12C49059-6482-4500-BB7D-F861C9B20394}" type="presOf" srcId="{F2996275-BD25-4DDE-A091-6A715BF3CA21}" destId="{E06E2B40-1AA4-4E44-B02D-5E636AEC179D}" srcOrd="0" destOrd="0" presId="urn:microsoft.com/office/officeart/2005/8/layout/vList2"/>
-    <dgm:cxn modelId="{27C9ED68-C6C7-4DED-ABDE-B3F2F455B0CA}" srcId="{089EED90-75B5-43FE-BAF8-AFAE3EBFD3AB}" destId="{F2996275-BD25-4DDE-A091-6A715BF3CA21}" srcOrd="2" destOrd="0" parTransId="{43AC10F8-D53A-4B44-A0BD-3C31DDDDEF7C}" sibTransId="{6B1D984F-AEF0-43AA-BCAE-0EAF004CE5E5}"/>
     <dgm:cxn modelId="{FC38308A-F2BF-4364-97A6-C99C8ADD79B0}" srcId="{089EED90-75B5-43FE-BAF8-AFAE3EBFD3AB}" destId="{74BCBE2E-FCA9-4D85-9D1C-80EF9F5598BB}" srcOrd="3" destOrd="0" parTransId="{C47D0CBF-CA0F-4E57-B044-2680F9A40CC3}" sibTransId="{DE40BFFC-B6C3-465B-8C95-19FC72A0BF8B}"/>
     <dgm:cxn modelId="{AF46228D-1415-4C1E-87DC-3B1672023E84}" type="presOf" srcId="{AE68AA22-3710-4206-BD2B-047295C1FC22}" destId="{25D7E8FC-FFCC-4915-8AD3-F20F29B6B4E0}" srcOrd="0" destOrd="0" presId="urn:microsoft.com/office/officeart/2005/8/layout/vList2"/>
     <dgm:cxn modelId="{9ACDEF97-1F86-4AC8-BDC5-B619C7919C4D}" type="presOf" srcId="{0F55E6CE-324B-49C7-9223-0F8568F9F9A4}" destId="{55AF299F-CDED-41B8-92BB-F4085544ADD0}" srcOrd="0" destOrd="0" presId="urn:microsoft.com/office/officeart/2005/8/layout/vList2"/>
@@ -17477,7 +17478,7 @@
           <a:p>
             <a:fld id="{E23E07E6-2E97-3347-969F-58CC73272A23}" type="datetimeFigureOut">
               <a:rPr lang="en-US" smtClean="0"/>
-              <a:t>4/10/20</a:t>
+              <a:t>4/11/2020</a:t>
             </a:fld>
             <a:endParaRPr lang="en-US"/>
           </a:p>
@@ -17835,7 +17836,7 @@
           <a:p>
             <a:fld id="{EE67697A-F20B-C747-ACFD-272287683ACE}" type="slidenum">
               <a:rPr lang="en-US" smtClean="0"/>
-              <a:t>10</a:t>
+              <a:t>11</a:t>
             </a:fld>
             <a:endParaRPr lang="en-US"/>
           </a:p>
@@ -18010,7 +18011,7 @@
           <a:p>
             <a:fld id="{02AC24A9-CCB6-4F8D-B8DB-C2F3692CFA5A}" type="datetimeFigureOut">
               <a:rPr lang="en-US" smtClean="0"/>
-              <a:t>4/10/20</a:t>
+              <a:t>4/11/2020</a:t>
             </a:fld>
             <a:endParaRPr lang="en-US"/>
           </a:p>
@@ -18379,7 +18380,7 @@
           <a:p>
             <a:fld id="{02AC24A9-CCB6-4F8D-B8DB-C2F3692CFA5A}" type="datetimeFigureOut">
               <a:rPr lang="en-US" smtClean="0"/>
-              <a:t>4/10/20</a:t>
+              <a:t>4/11/2020</a:t>
             </a:fld>
             <a:endParaRPr lang="en-US"/>
           </a:p>
@@ -18587,7 +18588,7 @@
           <a:p>
             <a:fld id="{02AC24A9-CCB6-4F8D-B8DB-C2F3692CFA5A}" type="datetimeFigureOut">
               <a:rPr lang="en-US" smtClean="0"/>
-              <a:t>4/10/20</a:t>
+              <a:t>4/11/2020</a:t>
             </a:fld>
             <a:endParaRPr lang="en-US"/>
           </a:p>
@@ -19057,7 +19058,7 @@
           <a:p>
             <a:fld id="{02AC24A9-CCB6-4F8D-B8DB-C2F3692CFA5A}" type="datetimeFigureOut">
               <a:rPr lang="en-US" smtClean="0"/>
-              <a:t>4/10/20</a:t>
+              <a:t>4/11/2020</a:t>
             </a:fld>
             <a:endParaRPr lang="en-US"/>
           </a:p>
@@ -19511,7 +19512,7 @@
           <a:p>
             <a:fld id="{02AC24A9-CCB6-4F8D-B8DB-C2F3692CFA5A}" type="datetimeFigureOut">
               <a:rPr lang="en-US" smtClean="0"/>
-              <a:t>4/10/20</a:t>
+              <a:t>4/11/2020</a:t>
             </a:fld>
             <a:endParaRPr lang="en-US"/>
           </a:p>
@@ -20043,7 +20044,7 @@
           <a:p>
             <a:fld id="{02AC24A9-CCB6-4F8D-B8DB-C2F3692CFA5A}" type="datetimeFigureOut">
               <a:rPr lang="en-US" smtClean="0"/>
-              <a:t>4/10/20</a:t>
+              <a:t>4/11/2020</a:t>
             </a:fld>
             <a:endParaRPr lang="en-US"/>
           </a:p>
@@ -20742,7 +20743,7 @@
           <a:p>
             <a:fld id="{02AC24A9-CCB6-4F8D-B8DB-C2F3692CFA5A}" type="datetimeFigureOut">
               <a:rPr lang="en-US" smtClean="0"/>
-              <a:t>4/10/20</a:t>
+              <a:t>4/11/2020</a:t>
             </a:fld>
             <a:endParaRPr lang="en-US"/>
           </a:p>
@@ -21071,7 +21072,7 @@
           <a:p>
             <a:fld id="{02AC24A9-CCB6-4F8D-B8DB-C2F3692CFA5A}" type="datetimeFigureOut">
               <a:rPr lang="en-US" smtClean="0"/>
-              <a:t>4/10/20</a:t>
+              <a:t>4/11/2020</a:t>
             </a:fld>
             <a:endParaRPr lang="en-US"/>
           </a:p>
@@ -21184,7 +21185,7 @@
           <a:p>
             <a:fld id="{02AC24A9-CCB6-4F8D-B8DB-C2F3692CFA5A}" type="datetimeFigureOut">
               <a:rPr lang="en-US" smtClean="0"/>
-              <a:t>4/10/20</a:t>
+              <a:t>4/11/2020</a:t>
             </a:fld>
             <a:endParaRPr lang="en-US"/>
           </a:p>
@@ -21679,7 +21680,7 @@
           <a:p>
             <a:fld id="{02AC24A9-CCB6-4F8D-B8DB-C2F3692CFA5A}" type="datetimeFigureOut">
               <a:rPr lang="en-US" smtClean="0"/>
-              <a:t>4/10/20</a:t>
+              <a:t>4/11/2020</a:t>
             </a:fld>
             <a:endParaRPr lang="en-US"/>
           </a:p>
@@ -22156,7 +22157,7 @@
           <a:p>
             <a:fld id="{02AC24A9-CCB6-4F8D-B8DB-C2F3692CFA5A}" type="datetimeFigureOut">
               <a:rPr lang="en-US" smtClean="0"/>
-              <a:t>4/10/20</a:t>
+              <a:t>4/11/2020</a:t>
             </a:fld>
             <a:endParaRPr lang="en-US"/>
           </a:p>
@@ -22397,7 +22398,7 @@
           <a:p>
             <a:fld id="{02AC24A9-CCB6-4F8D-B8DB-C2F3692CFA5A}" type="datetimeFigureOut">
               <a:rPr lang="en-US" smtClean="0"/>
-              <a:t>4/10/20</a:t>
+              <a:t>4/11/2020</a:t>
             </a:fld>
             <a:endParaRPr lang="en-US"/>
           </a:p>
@@ -23320,6 +23321,1179 @@
 <file path=ppt/slides/slide10.xml><?xml version="1.0" encoding="utf-8"?>
 <p:sld xmlns:a="http://schemas.openxmlformats.org/drawingml/2006/main" xmlns:r="http://schemas.openxmlformats.org/officeDocument/2006/relationships" xmlns:p="http://schemas.openxmlformats.org/presentationml/2006/main">
   <p:cSld>
+    <p:bg>
+      <p:bgPr>
+        <a:solidFill>
+          <a:schemeClr val="bg1"/>
+        </a:solidFill>
+        <a:effectLst/>
+      </p:bgPr>
+    </p:bg>
+    <p:spTree>
+      <p:nvGrpSpPr>
+        <p:cNvPr id="1" name=""/>
+        <p:cNvGrpSpPr/>
+        <p:nvPr/>
+      </p:nvGrpSpPr>
+      <p:grpSpPr>
+        <a:xfrm>
+          <a:off x="0" y="0"/>
+          <a:ext cx="0" cy="0"/>
+          <a:chOff x="0" y="0"/>
+          <a:chExt cx="0" cy="0"/>
+        </a:xfrm>
+      </p:grpSpPr>
+      <p:sp useBgFill="1">
+        <p:nvSpPr>
+          <p:cNvPr id="9" name="Rectangle 11">
+            <a:extLst>
+              <a:ext uri="{FF2B5EF4-FFF2-40B4-BE49-F238E27FC236}">
+                <a16:creationId xmlns:a16="http://schemas.microsoft.com/office/drawing/2014/main" id="{2029D5AD-8348-4446-B191-6A9B6FE03F21}"/>
+              </a:ext>
+              <a:ext uri="{C183D7F6-B498-43B3-948B-1728B52AA6E4}">
+                <adec:decorative xmlns:adec="http://schemas.microsoft.com/office/drawing/2017/decorative" val="1"/>
+              </a:ext>
+            </a:extLst>
+          </p:cNvPr>
+          <p:cNvSpPr>
+            <a:spLocks noGrp="1" noRot="1" noChangeAspect="1" noMove="1" noResize="1" noEditPoints="1" noAdjustHandles="1" noChangeArrowheads="1" noChangeShapeType="1" noTextEdit="1"/>
+          </p:cNvSpPr>
+          <p:nvPr>
+            <p:extLst>
+              <p:ext uri="{386F3935-93C4-4BCD-93E2-E3B085C9AB24}">
+                <p16:designElem xmlns:p16="http://schemas.microsoft.com/office/powerpoint/2015/main" val="1"/>
+              </p:ext>
+            </p:extLst>
+          </p:nvPr>
+        </p:nvSpPr>
+        <p:spPr>
+          <a:xfrm>
+            <a:off x="0" y="0"/>
+            <a:ext cx="12188952" cy="6858000"/>
+          </a:xfrm>
+          <a:prstGeom prst="rect">
+            <a:avLst/>
+          </a:prstGeom>
+          <a:ln>
+            <a:noFill/>
+          </a:ln>
+        </p:spPr>
+        <p:style>
+          <a:lnRef idx="2">
+            <a:schemeClr val="accent1">
+              <a:shade val="50000"/>
+            </a:schemeClr>
+          </a:lnRef>
+          <a:fillRef idx="1">
+            <a:schemeClr val="accent1"/>
+          </a:fillRef>
+          <a:effectRef idx="0">
+            <a:schemeClr val="accent1"/>
+          </a:effectRef>
+          <a:fontRef idx="minor">
+            <a:schemeClr val="lt1"/>
+          </a:fontRef>
+        </p:style>
+        <p:txBody>
+          <a:bodyPr rtlCol="0" anchor="ctr"/>
+          <a:lstStyle/>
+          <a:p>
+            <a:pPr algn="ctr"/>
+            <a:endParaRPr lang="en-US"/>
+          </a:p>
+        </p:txBody>
+      </p:sp>
+      <p:sp useBgFill="1">
+        <p:nvSpPr>
+          <p:cNvPr id="11" name="Freeform: Shape 13">
+            <a:extLst>
+              <a:ext uri="{FF2B5EF4-FFF2-40B4-BE49-F238E27FC236}">
+                <a16:creationId xmlns:a16="http://schemas.microsoft.com/office/drawing/2014/main" id="{A3F395A2-2B64-4749-BD93-2F159C7E1FB5}"/>
+              </a:ext>
+              <a:ext uri="{C183D7F6-B498-43B3-948B-1728B52AA6E4}">
+                <adec:decorative xmlns:adec="http://schemas.microsoft.com/office/drawing/2017/decorative" val="1"/>
+              </a:ext>
+            </a:extLst>
+          </p:cNvPr>
+          <p:cNvSpPr>
+            <a:spLocks noGrp="1" noRot="1" noChangeAspect="1" noMove="1" noResize="1" noEditPoints="1" noAdjustHandles="1" noChangeArrowheads="1" noChangeShapeType="1" noTextEdit="1"/>
+          </p:cNvSpPr>
+          <p:nvPr>
+            <p:extLst>
+              <p:ext uri="{386F3935-93C4-4BCD-93E2-E3B085C9AB24}">
+                <p16:designElem xmlns:p16="http://schemas.microsoft.com/office/powerpoint/2015/main" val="1"/>
+              </p:ext>
+            </p:extLst>
+          </p:nvPr>
+        </p:nvSpPr>
+        <p:spPr>
+          <a:xfrm>
+            <a:off x="0" y="0"/>
+            <a:ext cx="12188952" cy="1899601"/>
+          </a:xfrm>
+          <a:custGeom>
+            <a:avLst/>
+            <a:gdLst>
+              <a:gd name="connsiteX0" fmla="*/ 0 w 12188952"/>
+              <a:gd name="connsiteY0" fmla="*/ 0 h 1899601"/>
+              <a:gd name="connsiteX1" fmla="*/ 12188952 w 12188952"/>
+              <a:gd name="connsiteY1" fmla="*/ 0 h 1899601"/>
+              <a:gd name="connsiteX2" fmla="*/ 12188952 w 12188952"/>
+              <a:gd name="connsiteY2" fmla="*/ 1635106 h 1899601"/>
+              <a:gd name="connsiteX3" fmla="*/ 11356325 w 12188952"/>
+              <a:gd name="connsiteY3" fmla="*/ 1707615 h 1899601"/>
+              <a:gd name="connsiteX4" fmla="*/ 6096001 w 12188952"/>
+              <a:gd name="connsiteY4" fmla="*/ 1899601 h 1899601"/>
+              <a:gd name="connsiteX5" fmla="*/ 835678 w 12188952"/>
+              <a:gd name="connsiteY5" fmla="*/ 1707615 h 1899601"/>
+              <a:gd name="connsiteX6" fmla="*/ 0 w 12188952"/>
+              <a:gd name="connsiteY6" fmla="*/ 1634841 h 1899601"/>
+            </a:gdLst>
+            <a:ahLst/>
+            <a:cxnLst>
+              <a:cxn ang="0">
+                <a:pos x="connsiteX0" y="connsiteY0"/>
+              </a:cxn>
+              <a:cxn ang="0">
+                <a:pos x="connsiteX1" y="connsiteY1"/>
+              </a:cxn>
+              <a:cxn ang="0">
+                <a:pos x="connsiteX2" y="connsiteY2"/>
+              </a:cxn>
+              <a:cxn ang="0">
+                <a:pos x="connsiteX3" y="connsiteY3"/>
+              </a:cxn>
+              <a:cxn ang="0">
+                <a:pos x="connsiteX4" y="connsiteY4"/>
+              </a:cxn>
+              <a:cxn ang="0">
+                <a:pos x="connsiteX5" y="connsiteY5"/>
+              </a:cxn>
+              <a:cxn ang="0">
+                <a:pos x="connsiteX6" y="connsiteY6"/>
+              </a:cxn>
+            </a:cxnLst>
+            <a:rect l="l" t="t" r="r" b="b"/>
+            <a:pathLst>
+              <a:path w="12188952" h="1899601">
+                <a:moveTo>
+                  <a:pt x="0" y="0"/>
+                </a:moveTo>
+                <a:lnTo>
+                  <a:pt x="12188952" y="0"/>
+                </a:lnTo>
+                <a:lnTo>
+                  <a:pt x="12188952" y="1635106"/>
+                </a:lnTo>
+                <a:lnTo>
+                  <a:pt x="11356325" y="1707615"/>
+                </a:lnTo>
+                <a:cubicBezTo>
+                  <a:pt x="9739512" y="1831240"/>
+                  <a:pt x="7961919" y="1899601"/>
+                  <a:pt x="6096001" y="1899601"/>
+                </a:cubicBezTo>
+                <a:cubicBezTo>
+                  <a:pt x="4230084" y="1899601"/>
+                  <a:pt x="2452490" y="1831240"/>
+                  <a:pt x="835678" y="1707615"/>
+                </a:cubicBezTo>
+                <a:lnTo>
+                  <a:pt x="0" y="1634841"/>
+                </a:lnTo>
+                <a:close/>
+              </a:path>
+            </a:pathLst>
+          </a:custGeom>
+          <a:ln w="9525">
+            <a:solidFill>
+              <a:schemeClr val="tx2">
+                <a:lumMod val="10000"/>
+                <a:lumOff val="90000"/>
+              </a:schemeClr>
+            </a:solidFill>
+          </a:ln>
+          <a:effectLst>
+            <a:outerShdw blurRad="50800" dist="38100" dir="2700000" algn="tl" rotWithShape="0">
+              <a:schemeClr val="bg1">
+                <a:lumMod val="85000"/>
+                <a:alpha val="30000"/>
+              </a:schemeClr>
+            </a:outerShdw>
+          </a:effectLst>
+        </p:spPr>
+        <p:style>
+          <a:lnRef idx="2">
+            <a:schemeClr val="accent1">
+              <a:shade val="50000"/>
+            </a:schemeClr>
+          </a:lnRef>
+          <a:fillRef idx="1">
+            <a:schemeClr val="accent1"/>
+          </a:fillRef>
+          <a:effectRef idx="0">
+            <a:schemeClr val="accent1"/>
+          </a:effectRef>
+          <a:fontRef idx="minor">
+            <a:schemeClr val="lt1"/>
+          </a:fontRef>
+        </p:style>
+        <p:txBody>
+          <a:bodyPr wrap="square" rtlCol="0" anchor="ctr">
+            <a:noAutofit/>
+          </a:bodyPr>
+          <a:lstStyle/>
+          <a:p>
+            <a:pPr marL="0" marR="0" lvl="0" indent="0" algn="ctr" defTabSz="914400" rtl="0" eaLnBrk="1" fontAlgn="auto" latinLnBrk="0" hangingPunct="1">
+              <a:lnSpc>
+                <a:spcPct val="100000"/>
+              </a:lnSpc>
+              <a:spcBef>
+                <a:spcPts val="0"/>
+              </a:spcBef>
+              <a:spcAft>
+                <a:spcPts val="0"/>
+              </a:spcAft>
+              <a:buClrTx/>
+              <a:buSzTx/>
+              <a:buFontTx/>
+              <a:buNone/>
+              <a:tabLst/>
+              <a:defRPr/>
+            </a:pPr>
+            <a:endParaRPr kumimoji="0" lang="en-US" sz="1800" b="0" i="0" u="none" strike="noStrike" kern="1200" cap="none" spc="0" normalizeH="0" baseline="0" noProof="0">
+              <a:ln>
+                <a:noFill/>
+              </a:ln>
+              <a:solidFill>
+                <a:prstClr val="white"/>
+              </a:solidFill>
+              <a:effectLst/>
+              <a:uLnTx/>
+              <a:uFillTx/>
+              <a:latin typeface="Calibri" panose="020F0502020204030204"/>
+              <a:ea typeface="+mn-ea"/>
+              <a:cs typeface="+mn-cs"/>
+            </a:endParaRPr>
+          </a:p>
+        </p:txBody>
+      </p:sp>
+      <p:sp useBgFill="1">
+        <p:nvSpPr>
+          <p:cNvPr id="16" name="Freeform: Shape 15">
+            <a:extLst>
+              <a:ext uri="{FF2B5EF4-FFF2-40B4-BE49-F238E27FC236}">
+                <a16:creationId xmlns:a16="http://schemas.microsoft.com/office/drawing/2014/main" id="{5CF0135B-EAB8-4CA0-896C-2D897ECD28BC}"/>
+              </a:ext>
+              <a:ext uri="{C183D7F6-B498-43B3-948B-1728B52AA6E4}">
+                <adec:decorative xmlns:adec="http://schemas.microsoft.com/office/drawing/2017/decorative" val="1"/>
+              </a:ext>
+            </a:extLst>
+          </p:cNvPr>
+          <p:cNvSpPr>
+            <a:spLocks noGrp="1" noRot="1" noChangeAspect="1" noMove="1" noResize="1" noEditPoints="1" noAdjustHandles="1" noChangeArrowheads="1" noChangeShapeType="1" noTextEdit="1"/>
+          </p:cNvSpPr>
+          <p:nvPr>
+            <p:extLst>
+              <p:ext uri="{386F3935-93C4-4BCD-93E2-E3B085C9AB24}">
+                <p16:designElem xmlns:p16="http://schemas.microsoft.com/office/powerpoint/2015/main" val="1"/>
+              </p:ext>
+            </p:extLst>
+          </p:nvPr>
+        </p:nvSpPr>
+        <p:spPr>
+          <a:xfrm>
+            <a:off x="0" y="0"/>
+            <a:ext cx="12192000" cy="1890722"/>
+          </a:xfrm>
+          <a:custGeom>
+            <a:avLst/>
+            <a:gdLst>
+              <a:gd name="connsiteX0" fmla="*/ 0 w 12192000"/>
+              <a:gd name="connsiteY0" fmla="*/ 0 h 1890722"/>
+              <a:gd name="connsiteX1" fmla="*/ 12192000 w 12192000"/>
+              <a:gd name="connsiteY1" fmla="*/ 0 h 1890722"/>
+              <a:gd name="connsiteX2" fmla="*/ 12192000 w 12192000"/>
+              <a:gd name="connsiteY2" fmla="*/ 1626227 h 1890722"/>
+              <a:gd name="connsiteX3" fmla="*/ 11359165 w 12192000"/>
+              <a:gd name="connsiteY3" fmla="*/ 1698736 h 1890722"/>
+              <a:gd name="connsiteX4" fmla="*/ 6097526 w 12192000"/>
+              <a:gd name="connsiteY4" fmla="*/ 1890722 h 1890722"/>
+              <a:gd name="connsiteX5" fmla="*/ 835887 w 12192000"/>
+              <a:gd name="connsiteY5" fmla="*/ 1698736 h 1890722"/>
+              <a:gd name="connsiteX6" fmla="*/ 0 w 12192000"/>
+              <a:gd name="connsiteY6" fmla="*/ 1625962 h 1890722"/>
+            </a:gdLst>
+            <a:ahLst/>
+            <a:cxnLst>
+              <a:cxn ang="0">
+                <a:pos x="connsiteX0" y="connsiteY0"/>
+              </a:cxn>
+              <a:cxn ang="0">
+                <a:pos x="connsiteX1" y="connsiteY1"/>
+              </a:cxn>
+              <a:cxn ang="0">
+                <a:pos x="connsiteX2" y="connsiteY2"/>
+              </a:cxn>
+              <a:cxn ang="0">
+                <a:pos x="connsiteX3" y="connsiteY3"/>
+              </a:cxn>
+              <a:cxn ang="0">
+                <a:pos x="connsiteX4" y="connsiteY4"/>
+              </a:cxn>
+              <a:cxn ang="0">
+                <a:pos x="connsiteX5" y="connsiteY5"/>
+              </a:cxn>
+              <a:cxn ang="0">
+                <a:pos x="connsiteX6" y="connsiteY6"/>
+              </a:cxn>
+            </a:cxnLst>
+            <a:rect l="l" t="t" r="r" b="b"/>
+            <a:pathLst>
+              <a:path w="12192000" h="1890722">
+                <a:moveTo>
+                  <a:pt x="0" y="0"/>
+                </a:moveTo>
+                <a:lnTo>
+                  <a:pt x="12192000" y="0"/>
+                </a:lnTo>
+                <a:lnTo>
+                  <a:pt x="12192000" y="1626227"/>
+                </a:lnTo>
+                <a:lnTo>
+                  <a:pt x="11359165" y="1698736"/>
+                </a:lnTo>
+                <a:cubicBezTo>
+                  <a:pt x="9741947" y="1822361"/>
+                  <a:pt x="7963910" y="1890722"/>
+                  <a:pt x="6097526" y="1890722"/>
+                </a:cubicBezTo>
+                <a:cubicBezTo>
+                  <a:pt x="4231142" y="1890722"/>
+                  <a:pt x="2453104" y="1822361"/>
+                  <a:pt x="835887" y="1698736"/>
+                </a:cubicBezTo>
+                <a:lnTo>
+                  <a:pt x="0" y="1625962"/>
+                </a:lnTo>
+                <a:close/>
+              </a:path>
+            </a:pathLst>
+          </a:custGeom>
+          <a:ln w="9525">
+            <a:noFill/>
+          </a:ln>
+          <a:effectLst/>
+        </p:spPr>
+        <p:style>
+          <a:lnRef idx="2">
+            <a:schemeClr val="accent1">
+              <a:shade val="50000"/>
+            </a:schemeClr>
+          </a:lnRef>
+          <a:fillRef idx="1">
+            <a:schemeClr val="accent1"/>
+          </a:fillRef>
+          <a:effectRef idx="0">
+            <a:schemeClr val="accent1"/>
+          </a:effectRef>
+          <a:fontRef idx="minor">
+            <a:schemeClr val="lt1"/>
+          </a:fontRef>
+        </p:style>
+        <p:txBody>
+          <a:bodyPr wrap="square" rtlCol="0" anchor="ctr">
+            <a:noAutofit/>
+          </a:bodyPr>
+          <a:lstStyle/>
+          <a:p>
+            <a:pPr marL="0" marR="0" lvl="0" indent="0" algn="ctr" defTabSz="914400" rtl="0" eaLnBrk="1" fontAlgn="auto" latinLnBrk="0" hangingPunct="1">
+              <a:lnSpc>
+                <a:spcPct val="100000"/>
+              </a:lnSpc>
+              <a:spcBef>
+                <a:spcPts val="0"/>
+              </a:spcBef>
+              <a:spcAft>
+                <a:spcPts val="0"/>
+              </a:spcAft>
+              <a:buClrTx/>
+              <a:buSzTx/>
+              <a:buFontTx/>
+              <a:buNone/>
+              <a:tabLst/>
+              <a:defRPr/>
+            </a:pPr>
+            <a:endParaRPr kumimoji="0" lang="en-US" sz="1800" b="0" i="0" u="none" strike="noStrike" kern="1200" cap="none" spc="0" normalizeH="0" baseline="0" noProof="0">
+              <a:ln>
+                <a:noFill/>
+              </a:ln>
+              <a:solidFill>
+                <a:prstClr val="white"/>
+              </a:solidFill>
+              <a:effectLst/>
+              <a:uLnTx/>
+              <a:uFillTx/>
+              <a:latin typeface="Calibri" panose="020F0502020204030204"/>
+              <a:ea typeface="+mn-ea"/>
+              <a:cs typeface="+mn-cs"/>
+            </a:endParaRPr>
+          </a:p>
+        </p:txBody>
+      </p:sp>
+      <p:sp>
+        <p:nvSpPr>
+          <p:cNvPr id="2" name="Title 1">
+            <a:extLst>
+              <a:ext uri="{FF2B5EF4-FFF2-40B4-BE49-F238E27FC236}">
+                <a16:creationId xmlns:a16="http://schemas.microsoft.com/office/drawing/2014/main" id="{31114689-44C7-4893-9FC9-09A4C348ADE9}"/>
+              </a:ext>
+            </a:extLst>
+          </p:cNvPr>
+          <p:cNvSpPr>
+            <a:spLocks noGrp="1"/>
+          </p:cNvSpPr>
+          <p:nvPr>
+            <p:ph type="title"/>
+          </p:nvPr>
+        </p:nvSpPr>
+        <p:spPr>
+          <a:xfrm>
+            <a:off x="838200" y="253397"/>
+            <a:ext cx="10515600" cy="1273233"/>
+          </a:xfrm>
+        </p:spPr>
+        <p:txBody>
+          <a:bodyPr>
+            <a:normAutofit/>
+          </a:bodyPr>
+          <a:lstStyle/>
+          <a:p>
+            <a:r>
+              <a:rPr lang="en-US">
+                <a:ea typeface="+mj-lt"/>
+                <a:cs typeface="+mj-lt"/>
+              </a:rPr>
+              <a:t>MLF-DRS - Multi-level Fair Dominant Resource Scheduling</a:t>
+            </a:r>
+          </a:p>
+        </p:txBody>
+      </p:sp>
+      <p:sp>
+        <p:nvSpPr>
+          <p:cNvPr id="18" name="Rectangle 17">
+            <a:extLst>
+              <a:ext uri="{FF2B5EF4-FFF2-40B4-BE49-F238E27FC236}">
+                <a16:creationId xmlns:a16="http://schemas.microsoft.com/office/drawing/2014/main" id="{92C3387C-D24F-4737-8A37-1DC5CFF09CFA}"/>
+              </a:ext>
+              <a:ext uri="{C183D7F6-B498-43B3-948B-1728B52AA6E4}">
+                <adec:decorative xmlns:adec="http://schemas.microsoft.com/office/drawing/2017/decorative" val="1"/>
+              </a:ext>
+            </a:extLst>
+          </p:cNvPr>
+          <p:cNvSpPr>
+            <a:spLocks noGrp="1" noRot="1" noChangeAspect="1" noMove="1" noResize="1" noEditPoints="1" noAdjustHandles="1" noChangeArrowheads="1" noChangeShapeType="1" noTextEdit="1"/>
+          </p:cNvSpPr>
+          <p:nvPr>
+            <p:extLst>
+              <p:ext uri="{386F3935-93C4-4BCD-93E2-E3B085C9AB24}">
+                <p16:designElem xmlns:p16="http://schemas.microsoft.com/office/powerpoint/2015/main" val="1"/>
+              </p:ext>
+            </p:extLst>
+          </p:nvPr>
+        </p:nvSpPr>
+        <p:spPr>
+          <a:xfrm>
+            <a:off x="0" y="524522"/>
+            <a:ext cx="128016" cy="704088"/>
+          </a:xfrm>
+          <a:prstGeom prst="rect">
+            <a:avLst/>
+          </a:prstGeom>
+          <a:solidFill>
+            <a:schemeClr val="accent1"/>
+          </a:solidFill>
+          <a:ln>
+            <a:noFill/>
+          </a:ln>
+        </p:spPr>
+        <p:style>
+          <a:lnRef idx="2">
+            <a:schemeClr val="accent1">
+              <a:shade val="50000"/>
+            </a:schemeClr>
+          </a:lnRef>
+          <a:fillRef idx="1">
+            <a:schemeClr val="accent1"/>
+          </a:fillRef>
+          <a:effectRef idx="0">
+            <a:schemeClr val="accent1"/>
+          </a:effectRef>
+          <a:fontRef idx="minor">
+            <a:schemeClr val="lt1"/>
+          </a:fontRef>
+        </p:style>
+        <p:txBody>
+          <a:bodyPr rtlCol="0" anchor="ctr"/>
+          <a:lstStyle/>
+          <a:p>
+            <a:pPr marL="0" marR="0" lvl="0" indent="0" algn="ctr" defTabSz="914400" rtl="0" eaLnBrk="1" fontAlgn="auto" latinLnBrk="0" hangingPunct="1">
+              <a:lnSpc>
+                <a:spcPct val="100000"/>
+              </a:lnSpc>
+              <a:spcBef>
+                <a:spcPts val="0"/>
+              </a:spcBef>
+              <a:spcAft>
+                <a:spcPts val="0"/>
+              </a:spcAft>
+              <a:buClrTx/>
+              <a:buSzTx/>
+              <a:buFontTx/>
+              <a:buNone/>
+              <a:tabLst/>
+              <a:defRPr/>
+            </a:pPr>
+            <a:endParaRPr kumimoji="0" lang="en-US" sz="1800" b="0" i="0" u="none" strike="noStrike" kern="1200" cap="none" spc="0" normalizeH="0" baseline="0" noProof="0">
+              <a:ln>
+                <a:noFill/>
+              </a:ln>
+              <a:solidFill>
+                <a:prstClr val="white"/>
+              </a:solidFill>
+              <a:effectLst/>
+              <a:uLnTx/>
+              <a:uFillTx/>
+              <a:latin typeface="Calibri" panose="020F0502020204030204"/>
+              <a:ea typeface="+mn-ea"/>
+              <a:cs typeface="+mn-cs"/>
+            </a:endParaRPr>
+          </a:p>
+        </p:txBody>
+      </p:sp>
+      <p:sp>
+        <p:nvSpPr>
+          <p:cNvPr id="3" name="Content Placeholder 2">
+            <a:extLst>
+              <a:ext uri="{FF2B5EF4-FFF2-40B4-BE49-F238E27FC236}">
+                <a16:creationId xmlns:a16="http://schemas.microsoft.com/office/drawing/2014/main" id="{2C3C3A68-CE93-47F9-BE22-D2DDFD3A7DA2}"/>
+              </a:ext>
+            </a:extLst>
+          </p:cNvPr>
+          <p:cNvSpPr>
+            <a:spLocks noGrp="1"/>
+          </p:cNvSpPr>
+          <p:nvPr>
+            <p:ph idx="1"/>
+          </p:nvPr>
+        </p:nvSpPr>
+        <p:spPr>
+          <a:xfrm>
+            <a:off x="838200" y="2478024"/>
+            <a:ext cx="10515600" cy="3694176"/>
+          </a:xfrm>
+        </p:spPr>
+        <p:txBody>
+          <a:bodyPr vert="horz" lIns="91440" tIns="45720" rIns="91440" bIns="45720" rtlCol="0" anchor="t">
+            <a:normAutofit fontScale="85000" lnSpcReduction="20000"/>
+          </a:bodyPr>
+          <a:lstStyle/>
+          <a:p>
+            <a:pPr>
+              <a:lnSpc>
+                <a:spcPct val="100000"/>
+              </a:lnSpc>
+              <a:spcBef>
+                <a:spcPts val="0"/>
+              </a:spcBef>
+              <a:spcAft>
+                <a:spcPts val="600"/>
+              </a:spcAft>
+            </a:pPr>
+            <a:r>
+              <a:rPr lang="en-US" sz="1900" dirty="0">
+                <a:ea typeface="+mn-lt"/>
+                <a:cs typeface="+mn-lt"/>
+              </a:rPr>
+              <a:t>MLF-DRS determines dominant and non-dominant resources as well.</a:t>
+            </a:r>
+          </a:p>
+          <a:p>
+            <a:pPr>
+              <a:lnSpc>
+                <a:spcPct val="100000"/>
+              </a:lnSpc>
+              <a:spcBef>
+                <a:spcPts val="0"/>
+              </a:spcBef>
+              <a:spcAft>
+                <a:spcPts val="600"/>
+              </a:spcAft>
+            </a:pPr>
+            <a:r>
+              <a:rPr lang="en-US" sz="1900" dirty="0">
+                <a:ea typeface="+mn-lt"/>
+                <a:cs typeface="+mn-lt"/>
+              </a:rPr>
+              <a:t>MLF-DRS considers fair share of resources</a:t>
+            </a:r>
+          </a:p>
+          <a:p>
+            <a:pPr lvl="1">
+              <a:lnSpc>
+                <a:spcPct val="100000"/>
+              </a:lnSpc>
+              <a:spcBef>
+                <a:spcPts val="0"/>
+              </a:spcBef>
+              <a:spcAft>
+                <a:spcPts val="600"/>
+              </a:spcAft>
+            </a:pPr>
+            <a:r>
+              <a:rPr lang="en-US" sz="1900" b="1" dirty="0">
+                <a:solidFill>
+                  <a:srgbClr val="C00000"/>
+                </a:solidFill>
+                <a:ea typeface="+mn-lt"/>
+                <a:cs typeface="+mn-lt"/>
+              </a:rPr>
+              <a:t>fc </a:t>
+            </a:r>
+            <a:r>
+              <a:rPr lang="en-US" sz="1900" dirty="0">
+                <a:solidFill>
+                  <a:srgbClr val="C00000"/>
+                </a:solidFill>
+                <a:ea typeface="+mn-lt"/>
+                <a:cs typeface="+mn-lt"/>
+              </a:rPr>
+              <a:t>= Cc / n and </a:t>
+            </a:r>
+            <a:r>
+              <a:rPr lang="en-US" sz="1900" b="1" dirty="0" err="1">
+                <a:solidFill>
+                  <a:srgbClr val="C00000"/>
+                </a:solidFill>
+                <a:ea typeface="+mn-lt"/>
+                <a:cs typeface="+mn-lt"/>
+              </a:rPr>
+              <a:t>fm</a:t>
+            </a:r>
+            <a:r>
+              <a:rPr lang="en-US" sz="1900" dirty="0">
+                <a:solidFill>
+                  <a:srgbClr val="C00000"/>
+                </a:solidFill>
+                <a:ea typeface="+mn-lt"/>
+                <a:cs typeface="+mn-lt"/>
+              </a:rPr>
+              <a:t> = Cm / n, n = # of pods in the node</a:t>
+            </a:r>
+          </a:p>
+          <a:p>
+            <a:pPr lvl="1">
+              <a:lnSpc>
+                <a:spcPct val="100000"/>
+              </a:lnSpc>
+              <a:spcBef>
+                <a:spcPts val="0"/>
+              </a:spcBef>
+              <a:spcAft>
+                <a:spcPts val="600"/>
+              </a:spcAft>
+            </a:pPr>
+            <a:r>
+              <a:rPr lang="en-US" sz="1900" dirty="0">
+                <a:ea typeface="+mn-lt"/>
+                <a:cs typeface="+mn-lt"/>
+              </a:rPr>
+              <a:t>Ex: Cc = 900m =&gt; fc = 450m</a:t>
+            </a:r>
+          </a:p>
+          <a:p>
+            <a:pPr lvl="1">
+              <a:lnSpc>
+                <a:spcPct val="100000"/>
+              </a:lnSpc>
+              <a:spcBef>
+                <a:spcPts val="0"/>
+              </a:spcBef>
+              <a:spcAft>
+                <a:spcPts val="600"/>
+              </a:spcAft>
+            </a:pPr>
+            <a:r>
+              <a:rPr lang="en-US" sz="1900" dirty="0">
+                <a:ea typeface="+mn-lt"/>
+                <a:cs typeface="+mn-lt"/>
+              </a:rPr>
+              <a:t>Ex: Cm = 1800mi =&gt; </a:t>
+            </a:r>
+            <a:r>
+              <a:rPr lang="en-US" sz="1900" dirty="0" err="1">
+                <a:ea typeface="+mn-lt"/>
+                <a:cs typeface="+mn-lt"/>
+              </a:rPr>
+              <a:t>fm</a:t>
+            </a:r>
+            <a:r>
+              <a:rPr lang="en-US" sz="1900" dirty="0">
+                <a:ea typeface="+mn-lt"/>
+                <a:cs typeface="+mn-lt"/>
+              </a:rPr>
+              <a:t> = 900mi</a:t>
+            </a:r>
+          </a:p>
+          <a:p>
+            <a:pPr>
+              <a:lnSpc>
+                <a:spcPct val="100000"/>
+              </a:lnSpc>
+              <a:spcBef>
+                <a:spcPts val="0"/>
+              </a:spcBef>
+              <a:spcAft>
+                <a:spcPts val="600"/>
+              </a:spcAft>
+            </a:pPr>
+            <a:r>
+              <a:rPr lang="en-US" sz="1900" dirty="0">
+                <a:ea typeface="+mn-lt"/>
+                <a:cs typeface="+mn-lt"/>
+              </a:rPr>
+              <a:t>Two users A and B submit task to a node with the capacity of the resources is Cc and Cm</a:t>
+            </a:r>
+          </a:p>
+          <a:p>
+            <a:pPr lvl="1">
+              <a:lnSpc>
+                <a:spcPct val="100000"/>
+              </a:lnSpc>
+              <a:spcBef>
+                <a:spcPts val="0"/>
+              </a:spcBef>
+              <a:spcAft>
+                <a:spcPts val="600"/>
+              </a:spcAft>
+            </a:pPr>
+            <a:r>
+              <a:rPr lang="en-US" sz="1900" dirty="0">
+                <a:solidFill>
+                  <a:srgbClr val="C00000"/>
+                </a:solidFill>
+                <a:ea typeface="+mn-lt"/>
+                <a:cs typeface="+mn-lt"/>
+              </a:rPr>
+              <a:t>Demand vector (</a:t>
+            </a:r>
+            <a:r>
+              <a:rPr lang="en-US" sz="1900" dirty="0" err="1">
+                <a:solidFill>
+                  <a:srgbClr val="C00000"/>
+                </a:solidFill>
+                <a:ea typeface="+mn-lt"/>
+                <a:cs typeface="+mn-lt"/>
+              </a:rPr>
+              <a:t>dcA</a:t>
+            </a:r>
+            <a:r>
+              <a:rPr lang="en-US" sz="1900" dirty="0">
+                <a:solidFill>
+                  <a:srgbClr val="C00000"/>
+                </a:solidFill>
+                <a:ea typeface="+mn-lt"/>
+                <a:cs typeface="+mn-lt"/>
+              </a:rPr>
+              <a:t>, </a:t>
+            </a:r>
+            <a:r>
+              <a:rPr lang="en-US" sz="1900" dirty="0" err="1">
+                <a:solidFill>
+                  <a:srgbClr val="C00000"/>
+                </a:solidFill>
+                <a:ea typeface="+mn-lt"/>
+                <a:cs typeface="+mn-lt"/>
+              </a:rPr>
+              <a:t>dmA</a:t>
+            </a:r>
+            <a:r>
+              <a:rPr lang="en-US" sz="1900" dirty="0">
+                <a:solidFill>
+                  <a:srgbClr val="C00000"/>
+                </a:solidFill>
+                <a:ea typeface="+mn-lt"/>
+                <a:cs typeface="+mn-lt"/>
+              </a:rPr>
+              <a:t>) and (</a:t>
+            </a:r>
+            <a:r>
+              <a:rPr lang="en-US" sz="1900" dirty="0" err="1">
+                <a:solidFill>
+                  <a:srgbClr val="C00000"/>
+                </a:solidFill>
+                <a:ea typeface="+mn-lt"/>
+                <a:cs typeface="+mn-lt"/>
+              </a:rPr>
+              <a:t>dcB</a:t>
+            </a:r>
+            <a:r>
+              <a:rPr lang="en-US" sz="1900" dirty="0">
+                <a:solidFill>
+                  <a:srgbClr val="C00000"/>
+                </a:solidFill>
+                <a:ea typeface="+mn-lt"/>
+                <a:cs typeface="+mn-lt"/>
+              </a:rPr>
+              <a:t>, </a:t>
+            </a:r>
+            <a:r>
+              <a:rPr lang="en-US" sz="1900" dirty="0" err="1">
+                <a:solidFill>
+                  <a:srgbClr val="C00000"/>
+                </a:solidFill>
+                <a:ea typeface="+mn-lt"/>
+                <a:cs typeface="+mn-lt"/>
+              </a:rPr>
+              <a:t>drB</a:t>
+            </a:r>
+            <a:r>
+              <a:rPr lang="en-US" sz="1900" dirty="0">
+                <a:solidFill>
+                  <a:srgbClr val="C00000"/>
+                </a:solidFill>
+                <a:ea typeface="+mn-lt"/>
+                <a:cs typeface="+mn-lt"/>
+              </a:rPr>
+              <a:t>).</a:t>
+            </a:r>
+          </a:p>
+          <a:p>
+            <a:pPr lvl="1">
+              <a:lnSpc>
+                <a:spcPct val="100000"/>
+              </a:lnSpc>
+              <a:spcBef>
+                <a:spcPts val="0"/>
+              </a:spcBef>
+              <a:spcAft>
+                <a:spcPts val="600"/>
+              </a:spcAft>
+            </a:pPr>
+            <a:r>
+              <a:rPr lang="en-US" sz="1900" dirty="0">
+                <a:ea typeface="+mn-lt"/>
+                <a:cs typeface="+mn-lt"/>
+              </a:rPr>
+              <a:t>Ex: (100m, 400mi) and (300m, 100mi)</a:t>
+            </a:r>
+          </a:p>
+          <a:p>
+            <a:pPr>
+              <a:lnSpc>
+                <a:spcPct val="100000"/>
+              </a:lnSpc>
+              <a:spcBef>
+                <a:spcPts val="0"/>
+              </a:spcBef>
+              <a:spcAft>
+                <a:spcPts val="600"/>
+              </a:spcAft>
+            </a:pPr>
+            <a:r>
+              <a:rPr lang="en-US" sz="1900" dirty="0">
+                <a:ea typeface="+mn-lt"/>
+                <a:cs typeface="+mn-lt"/>
+              </a:rPr>
+              <a:t>MLF-DRS calculates non-dominant resources of users</a:t>
+            </a:r>
+          </a:p>
+          <a:p>
+            <a:pPr lvl="1">
+              <a:lnSpc>
+                <a:spcPct val="100000"/>
+              </a:lnSpc>
+              <a:spcBef>
+                <a:spcPts val="0"/>
+              </a:spcBef>
+              <a:spcAft>
+                <a:spcPts val="600"/>
+              </a:spcAft>
+            </a:pPr>
+            <a:r>
+              <a:rPr lang="en-US" sz="1900" dirty="0" err="1">
+                <a:solidFill>
+                  <a:srgbClr val="C00000"/>
+                </a:solidFill>
+                <a:ea typeface="+mn-lt"/>
+                <a:cs typeface="+mn-lt"/>
+              </a:rPr>
+              <a:t>nondomA</a:t>
+            </a:r>
+            <a:r>
+              <a:rPr lang="en-US" sz="1900" dirty="0">
+                <a:solidFill>
+                  <a:srgbClr val="C00000"/>
+                </a:solidFill>
+                <a:ea typeface="+mn-lt"/>
+                <a:cs typeface="+mn-lt"/>
+              </a:rPr>
+              <a:t> = min(</a:t>
+            </a:r>
+            <a:r>
+              <a:rPr lang="en-US" sz="1900" dirty="0" err="1">
+                <a:solidFill>
+                  <a:srgbClr val="C00000"/>
+                </a:solidFill>
+                <a:ea typeface="+mn-lt"/>
+                <a:cs typeface="+mn-lt"/>
+              </a:rPr>
+              <a:t>dcA</a:t>
+            </a:r>
+            <a:r>
+              <a:rPr lang="en-US" sz="1900" dirty="0">
+                <a:solidFill>
+                  <a:srgbClr val="C00000"/>
+                </a:solidFill>
+                <a:ea typeface="+mn-lt"/>
+                <a:cs typeface="+mn-lt"/>
+              </a:rPr>
+              <a:t> / Cc, </a:t>
+            </a:r>
+            <a:r>
+              <a:rPr lang="en-US" sz="1900" dirty="0" err="1">
+                <a:solidFill>
+                  <a:srgbClr val="C00000"/>
+                </a:solidFill>
+                <a:ea typeface="+mn-lt"/>
+                <a:cs typeface="+mn-lt"/>
+              </a:rPr>
+              <a:t>dmA</a:t>
+            </a:r>
+            <a:r>
+              <a:rPr lang="en-US" sz="1900" dirty="0">
+                <a:solidFill>
+                  <a:srgbClr val="C00000"/>
+                </a:solidFill>
+                <a:ea typeface="+mn-lt"/>
+                <a:cs typeface="+mn-lt"/>
+              </a:rPr>
+              <a:t> / Cm) </a:t>
+            </a:r>
+          </a:p>
+          <a:p>
+            <a:pPr lvl="1">
+              <a:lnSpc>
+                <a:spcPct val="100000"/>
+              </a:lnSpc>
+              <a:spcBef>
+                <a:spcPts val="0"/>
+              </a:spcBef>
+              <a:spcAft>
+                <a:spcPts val="600"/>
+              </a:spcAft>
+            </a:pPr>
+            <a:r>
+              <a:rPr lang="en-US" sz="1900" dirty="0">
+                <a:ea typeface="+mn-lt"/>
+                <a:cs typeface="+mn-lt"/>
+              </a:rPr>
+              <a:t>Ex: </a:t>
+            </a:r>
+            <a:r>
+              <a:rPr lang="en-US" sz="1900" dirty="0" err="1">
+                <a:ea typeface="+mn-lt"/>
+                <a:cs typeface="+mn-lt"/>
+              </a:rPr>
+              <a:t>nondomA</a:t>
+            </a:r>
+            <a:r>
+              <a:rPr lang="en-US" sz="1900" dirty="0">
+                <a:ea typeface="+mn-lt"/>
+                <a:cs typeface="+mn-lt"/>
+              </a:rPr>
+              <a:t> = memory</a:t>
+            </a:r>
+          </a:p>
+          <a:p>
+            <a:pPr lvl="1">
+              <a:lnSpc>
+                <a:spcPct val="100000"/>
+              </a:lnSpc>
+              <a:spcBef>
+                <a:spcPts val="0"/>
+              </a:spcBef>
+              <a:spcAft>
+                <a:spcPts val="600"/>
+              </a:spcAft>
+            </a:pPr>
+            <a:r>
+              <a:rPr lang="en-US" sz="1900" dirty="0" err="1">
+                <a:solidFill>
+                  <a:srgbClr val="C00000"/>
+                </a:solidFill>
+                <a:ea typeface="+mn-lt"/>
+                <a:cs typeface="+mn-lt"/>
+              </a:rPr>
+              <a:t>nondomB</a:t>
+            </a:r>
+            <a:r>
+              <a:rPr lang="en-US" sz="1900" dirty="0">
+                <a:solidFill>
+                  <a:srgbClr val="C00000"/>
+                </a:solidFill>
+                <a:ea typeface="+mn-lt"/>
+                <a:cs typeface="+mn-lt"/>
+              </a:rPr>
+              <a:t> = min(</a:t>
+            </a:r>
+            <a:r>
+              <a:rPr lang="en-US" sz="1900" dirty="0" err="1">
+                <a:solidFill>
+                  <a:srgbClr val="C00000"/>
+                </a:solidFill>
+                <a:ea typeface="+mn-lt"/>
+                <a:cs typeface="+mn-lt"/>
+              </a:rPr>
+              <a:t>dcB</a:t>
+            </a:r>
+            <a:r>
+              <a:rPr lang="en-US" sz="1900" dirty="0">
+                <a:solidFill>
+                  <a:srgbClr val="C00000"/>
+                </a:solidFill>
+                <a:ea typeface="+mn-lt"/>
+                <a:cs typeface="+mn-lt"/>
+              </a:rPr>
+              <a:t> / Cc, </a:t>
+            </a:r>
+            <a:r>
+              <a:rPr lang="en-US" sz="1900" dirty="0" err="1">
+                <a:solidFill>
+                  <a:srgbClr val="C00000"/>
+                </a:solidFill>
+                <a:ea typeface="+mn-lt"/>
+                <a:cs typeface="+mn-lt"/>
+              </a:rPr>
+              <a:t>dmB</a:t>
+            </a:r>
+            <a:r>
+              <a:rPr lang="en-US" sz="1900" dirty="0">
+                <a:solidFill>
+                  <a:srgbClr val="C00000"/>
+                </a:solidFill>
+                <a:ea typeface="+mn-lt"/>
+                <a:cs typeface="+mn-lt"/>
+              </a:rPr>
+              <a:t> / Cm) </a:t>
+            </a:r>
+          </a:p>
+          <a:p>
+            <a:pPr lvl="1">
+              <a:lnSpc>
+                <a:spcPct val="100000"/>
+              </a:lnSpc>
+              <a:spcBef>
+                <a:spcPts val="0"/>
+              </a:spcBef>
+              <a:spcAft>
+                <a:spcPts val="600"/>
+              </a:spcAft>
+            </a:pPr>
+            <a:r>
+              <a:rPr lang="en-US" sz="1900" dirty="0">
+                <a:ea typeface="+mn-lt"/>
+                <a:cs typeface="+mn-lt"/>
+              </a:rPr>
+              <a:t>Ex: </a:t>
+            </a:r>
+            <a:r>
+              <a:rPr lang="en-US" sz="1900" dirty="0" err="1">
+                <a:ea typeface="+mn-lt"/>
+                <a:cs typeface="+mn-lt"/>
+              </a:rPr>
+              <a:t>nondomB</a:t>
+            </a:r>
+            <a:r>
+              <a:rPr lang="en-US" sz="1900" dirty="0">
+                <a:ea typeface="+mn-lt"/>
+                <a:cs typeface="+mn-lt"/>
+              </a:rPr>
+              <a:t> = </a:t>
+            </a:r>
+            <a:r>
+              <a:rPr lang="en-US" sz="1900" dirty="0" err="1">
+                <a:ea typeface="+mn-lt"/>
+                <a:cs typeface="+mn-lt"/>
+              </a:rPr>
+              <a:t>cpu</a:t>
+            </a:r>
+            <a:endParaRPr lang="en-US" sz="1900" dirty="0">
+              <a:ea typeface="+mn-lt"/>
+              <a:cs typeface="+mn-lt"/>
+            </a:endParaRPr>
+          </a:p>
+        </p:txBody>
+      </p:sp>
+      <p:sp>
+        <p:nvSpPr>
+          <p:cNvPr id="8" name="TextBox 7">
+            <a:extLst>
+              <a:ext uri="{FF2B5EF4-FFF2-40B4-BE49-F238E27FC236}">
+                <a16:creationId xmlns:a16="http://schemas.microsoft.com/office/drawing/2014/main" id="{6D147768-8D5C-E444-AE8C-3E58373651CF}"/>
+              </a:ext>
+            </a:extLst>
+          </p:cNvPr>
+          <p:cNvSpPr txBox="1"/>
+          <p:nvPr/>
+        </p:nvSpPr>
+        <p:spPr>
+          <a:xfrm>
+            <a:off x="11444140" y="6491551"/>
+            <a:ext cx="648534" cy="369332"/>
+          </a:xfrm>
+          <a:prstGeom prst="rect">
+            <a:avLst/>
+          </a:prstGeom>
+          <a:noFill/>
+        </p:spPr>
+        <p:txBody>
+          <a:bodyPr rot="0" spcFirstLastPara="0" vertOverflow="overflow" horzOverflow="overflow" vert="horz" wrap="square" lIns="91440" tIns="45720" rIns="91440" bIns="45720" numCol="1" spcCol="0" rtlCol="0" fromWordArt="0" anchor="t" anchorCtr="0" forceAA="0" compatLnSpc="1">
+            <a:prstTxWarp prst="textNoShape">
+              <a:avLst/>
+            </a:prstTxWarp>
+            <a:spAutoFit/>
+          </a:bodyPr>
+          <a:lstStyle/>
+          <a:p>
+            <a:pPr>
+              <a:spcAft>
+                <a:spcPts val="600"/>
+              </a:spcAft>
+            </a:pPr>
+            <a:r>
+              <a:rPr lang="en-US" dirty="0"/>
+              <a:t>10</a:t>
+            </a:r>
+          </a:p>
+        </p:txBody>
+      </p:sp>
+    </p:spTree>
+    <p:extLst>
+      <p:ext uri="{BB962C8B-B14F-4D97-AF65-F5344CB8AC3E}">
+        <p14:creationId xmlns:p14="http://schemas.microsoft.com/office/powerpoint/2010/main" val="1552391780"/>
+      </p:ext>
+    </p:extLst>
+  </p:cSld>
+  <p:clrMapOvr>
+    <a:masterClrMapping/>
+  </p:clrMapOvr>
+</p:sld>
+</file>
+
+<file path=ppt/slides/slide11.xml><?xml version="1.0" encoding="utf-8"?>
+<p:sld xmlns:a="http://schemas.openxmlformats.org/drawingml/2006/main" xmlns:r="http://schemas.openxmlformats.org/officeDocument/2006/relationships" xmlns:p="http://schemas.openxmlformats.org/presentationml/2006/main">
+  <p:cSld>
     <p:spTree>
       <p:nvGrpSpPr>
         <p:cNvPr id="1" name=""/>
@@ -23756,7 +24930,7 @@
             </a:pPr>
             <a:r>
               <a:rPr lang="en-US" dirty="0"/>
-              <a:t>10</a:t>
+              <a:t>11</a:t>
             </a:r>
           </a:p>
         </p:txBody>
@@ -23774,7 +24948,7 @@
 </p:sld>
 </file>
 
-<file path=ppt/slides/slide11.xml><?xml version="1.0" encoding="utf-8"?>
+<file path=ppt/slides/slide12.xml><?xml version="1.0" encoding="utf-8"?>
 <p:sld xmlns:a="http://schemas.openxmlformats.org/drawingml/2006/main" xmlns:r="http://schemas.openxmlformats.org/officeDocument/2006/relationships" xmlns:p="http://schemas.openxmlformats.org/presentationml/2006/main">
   <p:cSld>
     <p:bg>
@@ -24396,7 +25570,7 @@
             </a:pPr>
             <a:r>
               <a:rPr lang="en-US" dirty="0"/>
-              <a:t>11</a:t>
+              <a:t>12</a:t>
             </a:r>
           </a:p>
         </p:txBody>
@@ -24414,7 +25588,7 @@
 </p:sld>
 </file>
 
-<file path=ppt/slides/slide12.xml><?xml version="1.0" encoding="utf-8"?>
+<file path=ppt/slides/slide13.xml><?xml version="1.0" encoding="utf-8"?>
 <p:sld xmlns:a="http://schemas.openxmlformats.org/drawingml/2006/main" xmlns:r="http://schemas.openxmlformats.org/officeDocument/2006/relationships" xmlns:p="http://schemas.openxmlformats.org/presentationml/2006/main">
   <p:cSld>
     <p:spTree>
@@ -24499,6 +25673,42 @@
           </a:p>
         </p:txBody>
       </p:sp>
+      <p:sp>
+        <p:nvSpPr>
+          <p:cNvPr id="4" name="TextBox 3">
+            <a:extLst>
+              <a:ext uri="{FF2B5EF4-FFF2-40B4-BE49-F238E27FC236}">
+                <a16:creationId xmlns:a16="http://schemas.microsoft.com/office/drawing/2014/main" id="{293A5A47-F45E-49E4-986E-D26CB3B42046}"/>
+              </a:ext>
+            </a:extLst>
+          </p:cNvPr>
+          <p:cNvSpPr txBox="1"/>
+          <p:nvPr/>
+        </p:nvSpPr>
+        <p:spPr>
+          <a:xfrm>
+            <a:off x="11651529" y="6488668"/>
+            <a:ext cx="453970" cy="369332"/>
+          </a:xfrm>
+          <a:prstGeom prst="rect">
+            <a:avLst/>
+          </a:prstGeom>
+          <a:noFill/>
+        </p:spPr>
+        <p:txBody>
+          <a:bodyPr wrap="none" rtlCol="0">
+            <a:spAutoFit/>
+          </a:bodyPr>
+          <a:lstStyle/>
+          <a:p>
+            <a:r>
+              <a:rPr lang="en-US" dirty="0"/>
+              <a:t>13</a:t>
+            </a:r>
+            <a:endParaRPr lang="en-IN" dirty="0"/>
+          </a:p>
+        </p:txBody>
+      </p:sp>
     </p:spTree>
     <p:extLst>
       <p:ext uri="{BB962C8B-B14F-4D97-AF65-F5344CB8AC3E}">
@@ -24512,7 +25722,7 @@
 </p:sld>
 </file>
 
-<file path=ppt/slides/slide13.xml><?xml version="1.0" encoding="utf-8"?>
+<file path=ppt/slides/slide14.xml><?xml version="1.0" encoding="utf-8"?>
 <p:sld xmlns:a="http://schemas.openxmlformats.org/drawingml/2006/main" xmlns:r="http://schemas.openxmlformats.org/officeDocument/2006/relationships" xmlns:p="http://schemas.openxmlformats.org/presentationml/2006/main">
   <p:cSld>
     <p:spTree>
@@ -25082,7 +26292,7 @@
             </a:pPr>
             <a:r>
               <a:rPr lang="en-US" dirty="0"/>
-              <a:t>12</a:t>
+              <a:t>14</a:t>
             </a:r>
           </a:p>
         </p:txBody>
@@ -25100,7 +26310,7 @@
 </p:sld>
 </file>
 
-<file path=ppt/slides/slide14.xml><?xml version="1.0" encoding="utf-8"?>
+<file path=ppt/slides/slide15.xml><?xml version="1.0" encoding="utf-8"?>
 <p:sld xmlns:a="http://schemas.openxmlformats.org/drawingml/2006/main" xmlns:r="http://schemas.openxmlformats.org/officeDocument/2006/relationships" xmlns:p="http://schemas.openxmlformats.org/presentationml/2006/main">
   <p:cSld>
     <p:spTree>
@@ -25503,6 +26713,42 @@
           </a:p>
         </p:txBody>
       </p:sp>
+      <p:sp>
+        <p:nvSpPr>
+          <p:cNvPr id="4" name="TextBox 3">
+            <a:extLst>
+              <a:ext uri="{FF2B5EF4-FFF2-40B4-BE49-F238E27FC236}">
+                <a16:creationId xmlns:a16="http://schemas.microsoft.com/office/drawing/2014/main" id="{20691497-29EA-4CC0-9C41-E0E5FA405656}"/>
+              </a:ext>
+            </a:extLst>
+          </p:cNvPr>
+          <p:cNvSpPr txBox="1"/>
+          <p:nvPr/>
+        </p:nvSpPr>
+        <p:spPr>
+          <a:xfrm>
+            <a:off x="11738030" y="6488668"/>
+            <a:ext cx="453970" cy="369332"/>
+          </a:xfrm>
+          <a:prstGeom prst="rect">
+            <a:avLst/>
+          </a:prstGeom>
+          <a:noFill/>
+        </p:spPr>
+        <p:txBody>
+          <a:bodyPr wrap="none" rtlCol="0">
+            <a:spAutoFit/>
+          </a:bodyPr>
+          <a:lstStyle/>
+          <a:p>
+            <a:r>
+              <a:rPr lang="en-US" dirty="0"/>
+              <a:t>15</a:t>
+            </a:r>
+            <a:endParaRPr lang="en-IN" dirty="0"/>
+          </a:p>
+        </p:txBody>
+      </p:sp>
     </p:spTree>
     <p:extLst>
       <p:ext uri="{BB962C8B-B14F-4D97-AF65-F5344CB8AC3E}">
@@ -25516,7 +26762,7 @@
 </p:sld>
 </file>
 
-<file path=ppt/slides/slide15.xml><?xml version="1.0" encoding="utf-8"?>
+<file path=ppt/slides/slide16.xml><?xml version="1.0" encoding="utf-8"?>
 <p:sld xmlns:a="http://schemas.openxmlformats.org/drawingml/2006/main" xmlns:r="http://schemas.openxmlformats.org/officeDocument/2006/relationships" xmlns:p="http://schemas.openxmlformats.org/presentationml/2006/main">
   <p:cSld>
     <p:spTree>
@@ -25820,7 +27066,7 @@
             </a:pPr>
             <a:r>
               <a:rPr lang="en-US" dirty="0"/>
-              <a:t>14</a:t>
+              <a:t>15</a:t>
             </a:r>
           </a:p>
         </p:txBody>
@@ -25838,7 +27084,7 @@
 </p:sld>
 </file>
 
-<file path=ppt/slides/slide16.xml><?xml version="1.0" encoding="utf-8"?>
+<file path=ppt/slides/slide17.xml><?xml version="1.0" encoding="utf-8"?>
 <p:sld xmlns:a="http://schemas.openxmlformats.org/drawingml/2006/main" xmlns:r="http://schemas.openxmlformats.org/officeDocument/2006/relationships" xmlns:p="http://schemas.openxmlformats.org/presentationml/2006/main">
   <p:cSld>
     <p:bg>
@@ -26694,7 +27940,7 @@
             </a:pPr>
             <a:r>
               <a:rPr lang="en-US" dirty="0"/>
-              <a:t>15</a:t>
+              <a:t>16</a:t>
             </a:r>
           </a:p>
         </p:txBody>
@@ -26712,7 +27958,7 @@
 </p:sld>
 </file>
 
-<file path=ppt/slides/slide17.xml><?xml version="1.0" encoding="utf-8"?>
+<file path=ppt/slides/slide18.xml><?xml version="1.0" encoding="utf-8"?>
 <p:sld xmlns:a="http://schemas.openxmlformats.org/drawingml/2006/main" xmlns:r="http://schemas.openxmlformats.org/officeDocument/2006/relationships" xmlns:p="http://schemas.openxmlformats.org/presentationml/2006/main">
   <p:cSld>
     <p:bg>
@@ -27244,7 +28490,7 @@
             </a:pPr>
             <a:r>
               <a:rPr lang="en-US" dirty="0"/>
-              <a:t>16</a:t>
+              <a:t>17</a:t>
             </a:r>
           </a:p>
         </p:txBody>
@@ -27262,7 +28508,7 @@
 </p:sld>
 </file>
 
-<file path=ppt/slides/slide18.xml><?xml version="1.0" encoding="utf-8"?>
+<file path=ppt/slides/slide19.xml><?xml version="1.0" encoding="utf-8"?>
 <p:sld xmlns:a="http://schemas.openxmlformats.org/drawingml/2006/main" xmlns:r="http://schemas.openxmlformats.org/officeDocument/2006/relationships" xmlns:p="http://schemas.openxmlformats.org/presentationml/2006/main">
   <p:cSld>
     <p:bg>
@@ -27881,7 +29127,7 @@
             </a:pPr>
             <a:r>
               <a:rPr lang="en-US" dirty="0"/>
-              <a:t>17</a:t>
+              <a:t>18</a:t>
             </a:r>
           </a:p>
         </p:txBody>
@@ -27899,7 +29145,408 @@
 </p:sld>
 </file>
 
-<file path=ppt/slides/slide19.xml><?xml version="1.0" encoding="utf-8"?>
+<file path=ppt/slides/slide2.xml><?xml version="1.0" encoding="utf-8"?>
+<p:sld xmlns:a="http://schemas.openxmlformats.org/drawingml/2006/main" xmlns:r="http://schemas.openxmlformats.org/officeDocument/2006/relationships" xmlns:p="http://schemas.openxmlformats.org/presentationml/2006/main">
+  <p:cSld>
+    <p:bg>
+      <p:bgPr>
+        <a:solidFill>
+          <a:schemeClr val="bg1"/>
+        </a:solidFill>
+        <a:effectLst/>
+      </p:bgPr>
+    </p:bg>
+    <p:spTree>
+      <p:nvGrpSpPr>
+        <p:cNvPr id="1" name=""/>
+        <p:cNvGrpSpPr/>
+        <p:nvPr/>
+      </p:nvGrpSpPr>
+      <p:grpSpPr>
+        <a:xfrm>
+          <a:off x="0" y="0"/>
+          <a:ext cx="0" cy="0"/>
+          <a:chOff x="0" y="0"/>
+          <a:chExt cx="0" cy="0"/>
+        </a:xfrm>
+      </p:grpSpPr>
+      <p:sp useBgFill="1">
+        <p:nvSpPr>
+          <p:cNvPr id="6" name="Rectangle 9">
+            <a:extLst>
+              <a:ext uri="{FF2B5EF4-FFF2-40B4-BE49-F238E27FC236}">
+                <a16:creationId xmlns:a16="http://schemas.microsoft.com/office/drawing/2014/main" id="{6D1A2CED-DA9B-4CCF-8215-CFC65FE71603}"/>
+              </a:ext>
+              <a:ext uri="{C183D7F6-B498-43B3-948B-1728B52AA6E4}">
+                <adec:decorative xmlns:adec="http://schemas.microsoft.com/office/drawing/2017/decorative" val="1"/>
+              </a:ext>
+            </a:extLst>
+          </p:cNvPr>
+          <p:cNvSpPr>
+            <a:spLocks noGrp="1" noRot="1" noChangeAspect="1" noMove="1" noResize="1" noEditPoints="1" noAdjustHandles="1" noChangeArrowheads="1" noChangeShapeType="1" noTextEdit="1"/>
+          </p:cNvSpPr>
+          <p:nvPr>
+            <p:extLst>
+              <p:ext uri="{386F3935-93C4-4BCD-93E2-E3B085C9AB24}">
+                <p16:designElem xmlns:p16="http://schemas.microsoft.com/office/powerpoint/2015/main" val="1"/>
+              </p:ext>
+            </p:extLst>
+          </p:nvPr>
+        </p:nvSpPr>
+        <p:spPr>
+          <a:xfrm>
+            <a:off x="0" y="0"/>
+            <a:ext cx="12192000" cy="6858000"/>
+          </a:xfrm>
+          <a:prstGeom prst="rect">
+            <a:avLst/>
+          </a:prstGeom>
+          <a:ln>
+            <a:noFill/>
+          </a:ln>
+        </p:spPr>
+        <p:style>
+          <a:lnRef idx="2">
+            <a:schemeClr val="accent1">
+              <a:shade val="50000"/>
+            </a:schemeClr>
+          </a:lnRef>
+          <a:fillRef idx="1">
+            <a:schemeClr val="accent1"/>
+          </a:fillRef>
+          <a:effectRef idx="0">
+            <a:schemeClr val="accent1"/>
+          </a:effectRef>
+          <a:fontRef idx="minor">
+            <a:schemeClr val="lt1"/>
+          </a:fontRef>
+        </p:style>
+        <p:txBody>
+          <a:bodyPr rtlCol="0" anchor="ctr"/>
+          <a:lstStyle/>
+          <a:p>
+            <a:pPr algn="ctr"/>
+            <a:endParaRPr lang="en-US"/>
+          </a:p>
+        </p:txBody>
+      </p:sp>
+      <p:sp useBgFill="1">
+        <p:nvSpPr>
+          <p:cNvPr id="7" name="Rectangle 11">
+            <a:extLst>
+              <a:ext uri="{FF2B5EF4-FFF2-40B4-BE49-F238E27FC236}">
+                <a16:creationId xmlns:a16="http://schemas.microsoft.com/office/drawing/2014/main" id="{562DFC44-A40C-4573-9230-B3EDB3EC8EEB}"/>
+              </a:ext>
+              <a:ext uri="{C183D7F6-B498-43B3-948B-1728B52AA6E4}">
+                <adec:decorative xmlns:adec="http://schemas.microsoft.com/office/drawing/2017/decorative" val="1"/>
+              </a:ext>
+            </a:extLst>
+          </p:cNvPr>
+          <p:cNvSpPr>
+            <a:spLocks noGrp="1" noRot="1" noChangeAspect="1" noMove="1" noResize="1" noEditPoints="1" noAdjustHandles="1" noChangeArrowheads="1" noChangeShapeType="1" noTextEdit="1"/>
+          </p:cNvSpPr>
+          <p:nvPr>
+            <p:extLst>
+              <p:ext uri="{386F3935-93C4-4BCD-93E2-E3B085C9AB24}">
+                <p16:designElem xmlns:p16="http://schemas.microsoft.com/office/powerpoint/2015/main" val="1"/>
+              </p:ext>
+            </p:extLst>
+          </p:nvPr>
+        </p:nvSpPr>
+        <p:spPr>
+          <a:xfrm>
+            <a:off x="558209" y="260019"/>
+            <a:ext cx="11167447" cy="5933012"/>
+          </a:xfrm>
+          <a:prstGeom prst="rect">
+            <a:avLst/>
+          </a:prstGeom>
+          <a:ln w="12700">
+            <a:solidFill>
+              <a:schemeClr val="tx2">
+                <a:lumMod val="10000"/>
+                <a:lumOff val="90000"/>
+              </a:schemeClr>
+            </a:solidFill>
+          </a:ln>
+          <a:effectLst>
+            <a:outerShdw blurRad="50800" dist="38100" dir="2700000" algn="tl" rotWithShape="0">
+              <a:schemeClr val="bg2">
+                <a:lumMod val="85000"/>
+                <a:alpha val="30000"/>
+              </a:schemeClr>
+            </a:outerShdw>
+          </a:effectLst>
+        </p:spPr>
+        <p:style>
+          <a:lnRef idx="2">
+            <a:schemeClr val="accent1">
+              <a:shade val="50000"/>
+            </a:schemeClr>
+          </a:lnRef>
+          <a:fillRef idx="1">
+            <a:schemeClr val="accent1"/>
+          </a:fillRef>
+          <a:effectRef idx="0">
+            <a:schemeClr val="accent1"/>
+          </a:effectRef>
+          <a:fontRef idx="minor">
+            <a:schemeClr val="lt1"/>
+          </a:fontRef>
+        </p:style>
+        <p:txBody>
+          <a:bodyPr rtlCol="0" anchor="ctr"/>
+          <a:lstStyle/>
+          <a:p>
+            <a:pPr marL="0" marR="0" lvl="0" indent="0" algn="ctr" defTabSz="914400" rtl="0" eaLnBrk="1" fontAlgn="auto" latinLnBrk="0" hangingPunct="1">
+              <a:lnSpc>
+                <a:spcPct val="100000"/>
+              </a:lnSpc>
+              <a:spcBef>
+                <a:spcPts val="0"/>
+              </a:spcBef>
+              <a:spcAft>
+                <a:spcPts val="0"/>
+              </a:spcAft>
+              <a:buClrTx/>
+              <a:buSzTx/>
+              <a:buFontTx/>
+              <a:buNone/>
+              <a:tabLst/>
+              <a:defRPr/>
+            </a:pPr>
+            <a:endParaRPr kumimoji="0" lang="en-US" sz="1800" b="0" i="0" u="none" strike="noStrike" kern="1200" cap="none" spc="0" normalizeH="0" baseline="0" noProof="0">
+              <a:ln>
+                <a:noFill/>
+              </a:ln>
+              <a:solidFill>
+                <a:prstClr val="white"/>
+              </a:solidFill>
+              <a:effectLst/>
+              <a:uLnTx/>
+              <a:uFillTx/>
+              <a:latin typeface="Calibri" panose="020F0502020204030204"/>
+              <a:ea typeface="+mn-ea"/>
+              <a:cs typeface="+mn-cs"/>
+            </a:endParaRPr>
+          </a:p>
+        </p:txBody>
+      </p:sp>
+      <p:sp>
+        <p:nvSpPr>
+          <p:cNvPr id="2" name="Title 1">
+            <a:extLst>
+              <a:ext uri="{FF2B5EF4-FFF2-40B4-BE49-F238E27FC236}">
+                <a16:creationId xmlns:a16="http://schemas.microsoft.com/office/drawing/2014/main" id="{E96D95EB-E595-446F-A14F-89413D271DA2}"/>
+              </a:ext>
+            </a:extLst>
+          </p:cNvPr>
+          <p:cNvSpPr>
+            <a:spLocks noGrp="1"/>
+          </p:cNvSpPr>
+          <p:nvPr>
+            <p:ph type="title"/>
+          </p:nvPr>
+        </p:nvSpPr>
+        <p:spPr>
+          <a:xfrm>
+            <a:off x="1115568" y="509521"/>
+            <a:ext cx="10232136" cy="1014984"/>
+          </a:xfrm>
+        </p:spPr>
+        <p:txBody>
+          <a:bodyPr>
+            <a:normAutofit/>
+          </a:bodyPr>
+          <a:lstStyle/>
+          <a:p>
+            <a:r>
+              <a:rPr lang="en-US"/>
+              <a:t>Overview</a:t>
+            </a:r>
+          </a:p>
+        </p:txBody>
+      </p:sp>
+      <p:sp>
+        <p:nvSpPr>
+          <p:cNvPr id="8" name="Rectangle 13">
+            <a:extLst>
+              <a:ext uri="{FF2B5EF4-FFF2-40B4-BE49-F238E27FC236}">
+                <a16:creationId xmlns:a16="http://schemas.microsoft.com/office/drawing/2014/main" id="{15589D35-CF9F-4DE9-A792-8571A09E9BC9}"/>
+              </a:ext>
+              <a:ext uri="{C183D7F6-B498-43B3-948B-1728B52AA6E4}">
+                <adec:decorative xmlns:adec="http://schemas.microsoft.com/office/drawing/2017/decorative" val="1"/>
+              </a:ext>
+            </a:extLst>
+          </p:cNvPr>
+          <p:cNvSpPr>
+            <a:spLocks noGrp="1" noRot="1" noChangeAspect="1" noMove="1" noResize="1" noEditPoints="1" noAdjustHandles="1" noChangeArrowheads="1" noChangeShapeType="1" noTextEdit="1"/>
+          </p:cNvSpPr>
+          <p:nvPr>
+            <p:extLst>
+              <p:ext uri="{386F3935-93C4-4BCD-93E2-E3B085C9AB24}">
+                <p16:designElem xmlns:p16="http://schemas.microsoft.com/office/powerpoint/2015/main" val="1"/>
+              </p:ext>
+            </p:extLst>
+          </p:nvPr>
+        </p:nvSpPr>
+        <p:spPr>
+          <a:xfrm>
+            <a:off x="498834" y="658327"/>
+            <a:ext cx="128016" cy="704088"/>
+          </a:xfrm>
+          <a:prstGeom prst="rect">
+            <a:avLst/>
+          </a:prstGeom>
+          <a:solidFill>
+            <a:schemeClr val="accent1"/>
+          </a:solidFill>
+          <a:ln>
+            <a:noFill/>
+          </a:ln>
+        </p:spPr>
+        <p:style>
+          <a:lnRef idx="2">
+            <a:schemeClr val="accent1">
+              <a:shade val="50000"/>
+            </a:schemeClr>
+          </a:lnRef>
+          <a:fillRef idx="1">
+            <a:schemeClr val="accent1"/>
+          </a:fillRef>
+          <a:effectRef idx="0">
+            <a:schemeClr val="accent1"/>
+          </a:effectRef>
+          <a:fontRef idx="minor">
+            <a:schemeClr val="lt1"/>
+          </a:fontRef>
+        </p:style>
+        <p:txBody>
+          <a:bodyPr rtlCol="0" anchor="ctr"/>
+          <a:lstStyle/>
+          <a:p>
+            <a:pPr marL="0" marR="0" lvl="0" indent="0" algn="ctr" defTabSz="914400" rtl="0" eaLnBrk="1" fontAlgn="auto" latinLnBrk="0" hangingPunct="1">
+              <a:lnSpc>
+                <a:spcPct val="100000"/>
+              </a:lnSpc>
+              <a:spcBef>
+                <a:spcPts val="0"/>
+              </a:spcBef>
+              <a:spcAft>
+                <a:spcPts val="0"/>
+              </a:spcAft>
+              <a:buClrTx/>
+              <a:buSzTx/>
+              <a:buFontTx/>
+              <a:buNone/>
+              <a:tabLst/>
+              <a:defRPr/>
+            </a:pPr>
+            <a:endParaRPr kumimoji="0" lang="en-US" sz="1800" b="0" i="0" u="none" strike="noStrike" kern="1200" cap="none" spc="0" normalizeH="0" baseline="0" noProof="0">
+              <a:ln>
+                <a:noFill/>
+              </a:ln>
+              <a:solidFill>
+                <a:prstClr val="white"/>
+              </a:solidFill>
+              <a:effectLst/>
+              <a:uLnTx/>
+              <a:uFillTx/>
+              <a:latin typeface="Calibri" panose="020F0502020204030204"/>
+              <a:ea typeface="+mn-ea"/>
+              <a:cs typeface="+mn-cs"/>
+            </a:endParaRPr>
+          </a:p>
+        </p:txBody>
+      </p:sp>
+      <p:graphicFrame>
+        <p:nvGraphicFramePr>
+          <p:cNvPr id="9" name="Content Placeholder 2">
+            <a:extLst>
+              <a:ext uri="{FF2B5EF4-FFF2-40B4-BE49-F238E27FC236}">
+                <a16:creationId xmlns:a16="http://schemas.microsoft.com/office/drawing/2014/main" id="{E718EF5B-EB41-4F5A-83D3-FB20AC4AF59C}"/>
+              </a:ext>
+            </a:extLst>
+          </p:cNvPr>
+          <p:cNvGraphicFramePr>
+            <a:graphicFrameLocks noGrp="1"/>
+          </p:cNvGraphicFramePr>
+          <p:nvPr>
+            <p:ph idx="1"/>
+            <p:extLst>
+              <p:ext uri="{D42A27DB-BD31-4B8C-83A1-F6EECF244321}">
+                <p14:modId xmlns:p14="http://schemas.microsoft.com/office/powerpoint/2010/main" val="3492238510"/>
+              </p:ext>
+            </p:extLst>
+          </p:nvPr>
+        </p:nvGraphicFramePr>
+        <p:xfrm>
+          <a:off x="1115568" y="1673352"/>
+          <a:ext cx="10232136" cy="4334256"/>
+        </p:xfrm>
+        <a:graphic>
+          <a:graphicData uri="http://schemas.openxmlformats.org/drawingml/2006/diagram">
+            <dgm:relIds xmlns:dgm="http://schemas.openxmlformats.org/drawingml/2006/diagram" xmlns:r="http://schemas.openxmlformats.org/officeDocument/2006/relationships" r:dm="rId2" r:lo="rId3" r:qs="rId4" r:cs="rId5"/>
+          </a:graphicData>
+        </a:graphic>
+      </p:graphicFrame>
+      <p:sp>
+        <p:nvSpPr>
+          <p:cNvPr id="28" name="TextBox 27">
+            <a:extLst>
+              <a:ext uri="{FF2B5EF4-FFF2-40B4-BE49-F238E27FC236}">
+                <a16:creationId xmlns:a16="http://schemas.microsoft.com/office/drawing/2014/main" id="{593F4700-056D-4442-84C9-CB5CC42CC73B}"/>
+              </a:ext>
+            </a:extLst>
+          </p:cNvPr>
+          <p:cNvSpPr txBox="1"/>
+          <p:nvPr/>
+        </p:nvSpPr>
+        <p:spPr>
+          <a:xfrm>
+            <a:off x="11409020" y="5825551"/>
+            <a:ext cx="323654" cy="369332"/>
+          </a:xfrm>
+          <a:prstGeom prst="rect">
+            <a:avLst/>
+          </a:prstGeom>
+          <a:noFill/>
+        </p:spPr>
+        <p:txBody>
+          <a:bodyPr rot="0" spcFirstLastPara="0" vertOverflow="overflow" horzOverflow="overflow" vert="horz" wrap="square" lIns="91440" tIns="45720" rIns="91440" bIns="45720" numCol="1" spcCol="0" rtlCol="0" fromWordArt="0" anchor="t" anchorCtr="0" forceAA="0" compatLnSpc="1">
+            <a:prstTxWarp prst="textNoShape">
+              <a:avLst/>
+            </a:prstTxWarp>
+            <a:spAutoFit/>
+          </a:bodyPr>
+          <a:lstStyle/>
+          <a:p>
+            <a:pPr>
+              <a:spcAft>
+                <a:spcPts val="600"/>
+              </a:spcAft>
+            </a:pPr>
+            <a:r>
+              <a:rPr lang="en-US" dirty="0"/>
+              <a:t>2</a:t>
+            </a:r>
+          </a:p>
+        </p:txBody>
+      </p:sp>
+    </p:spTree>
+    <p:extLst>
+      <p:ext uri="{BB962C8B-B14F-4D97-AF65-F5344CB8AC3E}">
+        <p14:creationId xmlns:p14="http://schemas.microsoft.com/office/powerpoint/2010/main" val="3229449482"/>
+      </p:ext>
+    </p:extLst>
+  </p:cSld>
+  <p:clrMapOvr>
+    <a:masterClrMapping/>
+  </p:clrMapOvr>
+</p:sld>
+</file>
+
+<file path=ppt/slides/slide20.xml><?xml version="1.0" encoding="utf-8"?>
 <p:sld xmlns:a="http://schemas.openxmlformats.org/drawingml/2006/main" xmlns:r="http://schemas.openxmlformats.org/officeDocument/2006/relationships" xmlns:p="http://schemas.openxmlformats.org/presentationml/2006/main">
   <p:cSld>
     <p:bg>
@@ -28477,7 +30124,7 @@
             </a:pPr>
             <a:r>
               <a:rPr lang="en-US" dirty="0"/>
-              <a:t>18</a:t>
+              <a:t>19</a:t>
             </a:r>
           </a:p>
         </p:txBody>
@@ -28486,407 +30133,6 @@
     <p:extLst>
       <p:ext uri="{BB962C8B-B14F-4D97-AF65-F5344CB8AC3E}">
         <p14:creationId xmlns:p14="http://schemas.microsoft.com/office/powerpoint/2010/main" val="1729281826"/>
-      </p:ext>
-    </p:extLst>
-  </p:cSld>
-  <p:clrMapOvr>
-    <a:masterClrMapping/>
-  </p:clrMapOvr>
-</p:sld>
-</file>
-
-<file path=ppt/slides/slide2.xml><?xml version="1.0" encoding="utf-8"?>
-<p:sld xmlns:a="http://schemas.openxmlformats.org/drawingml/2006/main" xmlns:r="http://schemas.openxmlformats.org/officeDocument/2006/relationships" xmlns:p="http://schemas.openxmlformats.org/presentationml/2006/main">
-  <p:cSld>
-    <p:bg>
-      <p:bgPr>
-        <a:solidFill>
-          <a:schemeClr val="bg1"/>
-        </a:solidFill>
-        <a:effectLst/>
-      </p:bgPr>
-    </p:bg>
-    <p:spTree>
-      <p:nvGrpSpPr>
-        <p:cNvPr id="1" name=""/>
-        <p:cNvGrpSpPr/>
-        <p:nvPr/>
-      </p:nvGrpSpPr>
-      <p:grpSpPr>
-        <a:xfrm>
-          <a:off x="0" y="0"/>
-          <a:ext cx="0" cy="0"/>
-          <a:chOff x="0" y="0"/>
-          <a:chExt cx="0" cy="0"/>
-        </a:xfrm>
-      </p:grpSpPr>
-      <p:sp useBgFill="1">
-        <p:nvSpPr>
-          <p:cNvPr id="6" name="Rectangle 9">
-            <a:extLst>
-              <a:ext uri="{FF2B5EF4-FFF2-40B4-BE49-F238E27FC236}">
-                <a16:creationId xmlns:a16="http://schemas.microsoft.com/office/drawing/2014/main" id="{6D1A2CED-DA9B-4CCF-8215-CFC65FE71603}"/>
-              </a:ext>
-              <a:ext uri="{C183D7F6-B498-43B3-948B-1728B52AA6E4}">
-                <adec:decorative xmlns:adec="http://schemas.microsoft.com/office/drawing/2017/decorative" val="1"/>
-              </a:ext>
-            </a:extLst>
-          </p:cNvPr>
-          <p:cNvSpPr>
-            <a:spLocks noGrp="1" noRot="1" noChangeAspect="1" noMove="1" noResize="1" noEditPoints="1" noAdjustHandles="1" noChangeArrowheads="1" noChangeShapeType="1" noTextEdit="1"/>
-          </p:cNvSpPr>
-          <p:nvPr>
-            <p:extLst>
-              <p:ext uri="{386F3935-93C4-4BCD-93E2-E3B085C9AB24}">
-                <p16:designElem xmlns:p16="http://schemas.microsoft.com/office/powerpoint/2015/main" val="1"/>
-              </p:ext>
-            </p:extLst>
-          </p:nvPr>
-        </p:nvSpPr>
-        <p:spPr>
-          <a:xfrm>
-            <a:off x="0" y="0"/>
-            <a:ext cx="12192000" cy="6858000"/>
-          </a:xfrm>
-          <a:prstGeom prst="rect">
-            <a:avLst/>
-          </a:prstGeom>
-          <a:ln>
-            <a:noFill/>
-          </a:ln>
-        </p:spPr>
-        <p:style>
-          <a:lnRef idx="2">
-            <a:schemeClr val="accent1">
-              <a:shade val="50000"/>
-            </a:schemeClr>
-          </a:lnRef>
-          <a:fillRef idx="1">
-            <a:schemeClr val="accent1"/>
-          </a:fillRef>
-          <a:effectRef idx="0">
-            <a:schemeClr val="accent1"/>
-          </a:effectRef>
-          <a:fontRef idx="minor">
-            <a:schemeClr val="lt1"/>
-          </a:fontRef>
-        </p:style>
-        <p:txBody>
-          <a:bodyPr rtlCol="0" anchor="ctr"/>
-          <a:lstStyle/>
-          <a:p>
-            <a:pPr algn="ctr"/>
-            <a:endParaRPr lang="en-US"/>
-          </a:p>
-        </p:txBody>
-      </p:sp>
-      <p:sp useBgFill="1">
-        <p:nvSpPr>
-          <p:cNvPr id="7" name="Rectangle 11">
-            <a:extLst>
-              <a:ext uri="{FF2B5EF4-FFF2-40B4-BE49-F238E27FC236}">
-                <a16:creationId xmlns:a16="http://schemas.microsoft.com/office/drawing/2014/main" id="{562DFC44-A40C-4573-9230-B3EDB3EC8EEB}"/>
-              </a:ext>
-              <a:ext uri="{C183D7F6-B498-43B3-948B-1728B52AA6E4}">
-                <adec:decorative xmlns:adec="http://schemas.microsoft.com/office/drawing/2017/decorative" val="1"/>
-              </a:ext>
-            </a:extLst>
-          </p:cNvPr>
-          <p:cNvSpPr>
-            <a:spLocks noGrp="1" noRot="1" noChangeAspect="1" noMove="1" noResize="1" noEditPoints="1" noAdjustHandles="1" noChangeArrowheads="1" noChangeShapeType="1" noTextEdit="1"/>
-          </p:cNvSpPr>
-          <p:nvPr>
-            <p:extLst>
-              <p:ext uri="{386F3935-93C4-4BCD-93E2-E3B085C9AB24}">
-                <p16:designElem xmlns:p16="http://schemas.microsoft.com/office/powerpoint/2015/main" val="1"/>
-              </p:ext>
-            </p:extLst>
-          </p:nvPr>
-        </p:nvSpPr>
-        <p:spPr>
-          <a:xfrm>
-            <a:off x="558209" y="260019"/>
-            <a:ext cx="11167447" cy="5933012"/>
-          </a:xfrm>
-          <a:prstGeom prst="rect">
-            <a:avLst/>
-          </a:prstGeom>
-          <a:ln w="12700">
-            <a:solidFill>
-              <a:schemeClr val="tx2">
-                <a:lumMod val="10000"/>
-                <a:lumOff val="90000"/>
-              </a:schemeClr>
-            </a:solidFill>
-          </a:ln>
-          <a:effectLst>
-            <a:outerShdw blurRad="50800" dist="38100" dir="2700000" algn="tl" rotWithShape="0">
-              <a:schemeClr val="bg2">
-                <a:lumMod val="85000"/>
-                <a:alpha val="30000"/>
-              </a:schemeClr>
-            </a:outerShdw>
-          </a:effectLst>
-        </p:spPr>
-        <p:style>
-          <a:lnRef idx="2">
-            <a:schemeClr val="accent1">
-              <a:shade val="50000"/>
-            </a:schemeClr>
-          </a:lnRef>
-          <a:fillRef idx="1">
-            <a:schemeClr val="accent1"/>
-          </a:fillRef>
-          <a:effectRef idx="0">
-            <a:schemeClr val="accent1"/>
-          </a:effectRef>
-          <a:fontRef idx="minor">
-            <a:schemeClr val="lt1"/>
-          </a:fontRef>
-        </p:style>
-        <p:txBody>
-          <a:bodyPr rtlCol="0" anchor="ctr"/>
-          <a:lstStyle/>
-          <a:p>
-            <a:pPr marL="0" marR="0" lvl="0" indent="0" algn="ctr" defTabSz="914400" rtl="0" eaLnBrk="1" fontAlgn="auto" latinLnBrk="0" hangingPunct="1">
-              <a:lnSpc>
-                <a:spcPct val="100000"/>
-              </a:lnSpc>
-              <a:spcBef>
-                <a:spcPts val="0"/>
-              </a:spcBef>
-              <a:spcAft>
-                <a:spcPts val="0"/>
-              </a:spcAft>
-              <a:buClrTx/>
-              <a:buSzTx/>
-              <a:buFontTx/>
-              <a:buNone/>
-              <a:tabLst/>
-              <a:defRPr/>
-            </a:pPr>
-            <a:endParaRPr kumimoji="0" lang="en-US" sz="1800" b="0" i="0" u="none" strike="noStrike" kern="1200" cap="none" spc="0" normalizeH="0" baseline="0" noProof="0">
-              <a:ln>
-                <a:noFill/>
-              </a:ln>
-              <a:solidFill>
-                <a:prstClr val="white"/>
-              </a:solidFill>
-              <a:effectLst/>
-              <a:uLnTx/>
-              <a:uFillTx/>
-              <a:latin typeface="Calibri" panose="020F0502020204030204"/>
-              <a:ea typeface="+mn-ea"/>
-              <a:cs typeface="+mn-cs"/>
-            </a:endParaRPr>
-          </a:p>
-        </p:txBody>
-      </p:sp>
-      <p:sp>
-        <p:nvSpPr>
-          <p:cNvPr id="2" name="Title 1">
-            <a:extLst>
-              <a:ext uri="{FF2B5EF4-FFF2-40B4-BE49-F238E27FC236}">
-                <a16:creationId xmlns:a16="http://schemas.microsoft.com/office/drawing/2014/main" id="{E96D95EB-E595-446F-A14F-89413D271DA2}"/>
-              </a:ext>
-            </a:extLst>
-          </p:cNvPr>
-          <p:cNvSpPr>
-            <a:spLocks noGrp="1"/>
-          </p:cNvSpPr>
-          <p:nvPr>
-            <p:ph type="title"/>
-          </p:nvPr>
-        </p:nvSpPr>
-        <p:spPr>
-          <a:xfrm>
-            <a:off x="1115568" y="509521"/>
-            <a:ext cx="10232136" cy="1014984"/>
-          </a:xfrm>
-        </p:spPr>
-        <p:txBody>
-          <a:bodyPr>
-            <a:normAutofit/>
-          </a:bodyPr>
-          <a:lstStyle/>
-          <a:p>
-            <a:r>
-              <a:rPr lang="en-US"/>
-              <a:t>Overview</a:t>
-            </a:r>
-          </a:p>
-        </p:txBody>
-      </p:sp>
-      <p:sp>
-        <p:nvSpPr>
-          <p:cNvPr id="8" name="Rectangle 13">
-            <a:extLst>
-              <a:ext uri="{FF2B5EF4-FFF2-40B4-BE49-F238E27FC236}">
-                <a16:creationId xmlns:a16="http://schemas.microsoft.com/office/drawing/2014/main" id="{15589D35-CF9F-4DE9-A792-8571A09E9BC9}"/>
-              </a:ext>
-              <a:ext uri="{C183D7F6-B498-43B3-948B-1728B52AA6E4}">
-                <adec:decorative xmlns:adec="http://schemas.microsoft.com/office/drawing/2017/decorative" val="1"/>
-              </a:ext>
-            </a:extLst>
-          </p:cNvPr>
-          <p:cNvSpPr>
-            <a:spLocks noGrp="1" noRot="1" noChangeAspect="1" noMove="1" noResize="1" noEditPoints="1" noAdjustHandles="1" noChangeArrowheads="1" noChangeShapeType="1" noTextEdit="1"/>
-          </p:cNvSpPr>
-          <p:nvPr>
-            <p:extLst>
-              <p:ext uri="{386F3935-93C4-4BCD-93E2-E3B085C9AB24}">
-                <p16:designElem xmlns:p16="http://schemas.microsoft.com/office/powerpoint/2015/main" val="1"/>
-              </p:ext>
-            </p:extLst>
-          </p:nvPr>
-        </p:nvSpPr>
-        <p:spPr>
-          <a:xfrm>
-            <a:off x="498834" y="658327"/>
-            <a:ext cx="128016" cy="704088"/>
-          </a:xfrm>
-          <a:prstGeom prst="rect">
-            <a:avLst/>
-          </a:prstGeom>
-          <a:solidFill>
-            <a:schemeClr val="accent1"/>
-          </a:solidFill>
-          <a:ln>
-            <a:noFill/>
-          </a:ln>
-        </p:spPr>
-        <p:style>
-          <a:lnRef idx="2">
-            <a:schemeClr val="accent1">
-              <a:shade val="50000"/>
-            </a:schemeClr>
-          </a:lnRef>
-          <a:fillRef idx="1">
-            <a:schemeClr val="accent1"/>
-          </a:fillRef>
-          <a:effectRef idx="0">
-            <a:schemeClr val="accent1"/>
-          </a:effectRef>
-          <a:fontRef idx="minor">
-            <a:schemeClr val="lt1"/>
-          </a:fontRef>
-        </p:style>
-        <p:txBody>
-          <a:bodyPr rtlCol="0" anchor="ctr"/>
-          <a:lstStyle/>
-          <a:p>
-            <a:pPr marL="0" marR="0" lvl="0" indent="0" algn="ctr" defTabSz="914400" rtl="0" eaLnBrk="1" fontAlgn="auto" latinLnBrk="0" hangingPunct="1">
-              <a:lnSpc>
-                <a:spcPct val="100000"/>
-              </a:lnSpc>
-              <a:spcBef>
-                <a:spcPts val="0"/>
-              </a:spcBef>
-              <a:spcAft>
-                <a:spcPts val="0"/>
-              </a:spcAft>
-              <a:buClrTx/>
-              <a:buSzTx/>
-              <a:buFontTx/>
-              <a:buNone/>
-              <a:tabLst/>
-              <a:defRPr/>
-            </a:pPr>
-            <a:endParaRPr kumimoji="0" lang="en-US" sz="1800" b="0" i="0" u="none" strike="noStrike" kern="1200" cap="none" spc="0" normalizeH="0" baseline="0" noProof="0">
-              <a:ln>
-                <a:noFill/>
-              </a:ln>
-              <a:solidFill>
-                <a:prstClr val="white"/>
-              </a:solidFill>
-              <a:effectLst/>
-              <a:uLnTx/>
-              <a:uFillTx/>
-              <a:latin typeface="Calibri" panose="020F0502020204030204"/>
-              <a:ea typeface="+mn-ea"/>
-              <a:cs typeface="+mn-cs"/>
-            </a:endParaRPr>
-          </a:p>
-        </p:txBody>
-      </p:sp>
-      <p:graphicFrame>
-        <p:nvGraphicFramePr>
-          <p:cNvPr id="9" name="Content Placeholder 2">
-            <a:extLst>
-              <a:ext uri="{FF2B5EF4-FFF2-40B4-BE49-F238E27FC236}">
-                <a16:creationId xmlns:a16="http://schemas.microsoft.com/office/drawing/2014/main" id="{E718EF5B-EB41-4F5A-83D3-FB20AC4AF59C}"/>
-              </a:ext>
-            </a:extLst>
-          </p:cNvPr>
-          <p:cNvGraphicFramePr>
-            <a:graphicFrameLocks noGrp="1"/>
-          </p:cNvGraphicFramePr>
-          <p:nvPr>
-            <p:ph idx="1"/>
-            <p:extLst>
-              <p:ext uri="{D42A27DB-BD31-4B8C-83A1-F6EECF244321}">
-                <p14:modId xmlns:p14="http://schemas.microsoft.com/office/powerpoint/2010/main" val="3492238510"/>
-              </p:ext>
-            </p:extLst>
-          </p:nvPr>
-        </p:nvGraphicFramePr>
-        <p:xfrm>
-          <a:off x="1115568" y="1673352"/>
-          <a:ext cx="10232136" cy="4334256"/>
-        </p:xfrm>
-        <a:graphic>
-          <a:graphicData uri="http://schemas.openxmlformats.org/drawingml/2006/diagram">
-            <dgm:relIds xmlns:dgm="http://schemas.openxmlformats.org/drawingml/2006/diagram" xmlns:r="http://schemas.openxmlformats.org/officeDocument/2006/relationships" r:dm="rId2" r:lo="rId3" r:qs="rId4" r:cs="rId5"/>
-          </a:graphicData>
-        </a:graphic>
-      </p:graphicFrame>
-      <p:sp>
-        <p:nvSpPr>
-          <p:cNvPr id="28" name="TextBox 27">
-            <a:extLst>
-              <a:ext uri="{FF2B5EF4-FFF2-40B4-BE49-F238E27FC236}">
-                <a16:creationId xmlns:a16="http://schemas.microsoft.com/office/drawing/2014/main" id="{593F4700-056D-4442-84C9-CB5CC42CC73B}"/>
-              </a:ext>
-            </a:extLst>
-          </p:cNvPr>
-          <p:cNvSpPr txBox="1"/>
-          <p:nvPr/>
-        </p:nvSpPr>
-        <p:spPr>
-          <a:xfrm>
-            <a:off x="11409020" y="5825551"/>
-            <a:ext cx="323654" cy="369332"/>
-          </a:xfrm>
-          <a:prstGeom prst="rect">
-            <a:avLst/>
-          </a:prstGeom>
-          <a:noFill/>
-        </p:spPr>
-        <p:txBody>
-          <a:bodyPr rot="0" spcFirstLastPara="0" vertOverflow="overflow" horzOverflow="overflow" vert="horz" wrap="square" lIns="91440" tIns="45720" rIns="91440" bIns="45720" numCol="1" spcCol="0" rtlCol="0" fromWordArt="0" anchor="t" anchorCtr="0" forceAA="0" compatLnSpc="1">
-            <a:prstTxWarp prst="textNoShape">
-              <a:avLst/>
-            </a:prstTxWarp>
-            <a:spAutoFit/>
-          </a:bodyPr>
-          <a:lstStyle/>
-          <a:p>
-            <a:pPr>
-              <a:spcAft>
-                <a:spcPts val="600"/>
-              </a:spcAft>
-            </a:pPr>
-            <a:r>
-              <a:rPr lang="en-US" dirty="0"/>
-              <a:t>2</a:t>
-            </a:r>
-          </a:p>
-        </p:txBody>
-      </p:sp>
-    </p:spTree>
-    <p:extLst>
-      <p:ext uri="{BB962C8B-B14F-4D97-AF65-F5344CB8AC3E}">
-        <p14:creationId xmlns:p14="http://schemas.microsoft.com/office/powerpoint/2010/main" val="3229449482"/>
       </p:ext>
     </p:extLst>
   </p:cSld>
@@ -30300,6 +31546,296 @@
 <file path=ppt/slides/slide5.xml><?xml version="1.0" encoding="utf-8"?>
 <p:sld xmlns:a="http://schemas.openxmlformats.org/drawingml/2006/main" xmlns:r="http://schemas.openxmlformats.org/officeDocument/2006/relationships" xmlns:p="http://schemas.openxmlformats.org/presentationml/2006/main">
   <p:cSld>
+    <p:spTree>
+      <p:nvGrpSpPr>
+        <p:cNvPr id="1" name=""/>
+        <p:cNvGrpSpPr/>
+        <p:nvPr/>
+      </p:nvGrpSpPr>
+      <p:grpSpPr>
+        <a:xfrm>
+          <a:off x="0" y="0"/>
+          <a:ext cx="0" cy="0"/>
+          <a:chOff x="0" y="0"/>
+          <a:chExt cx="0" cy="0"/>
+        </a:xfrm>
+      </p:grpSpPr>
+      <p:sp>
+        <p:nvSpPr>
+          <p:cNvPr id="2" name="Title 1">
+            <a:extLst>
+              <a:ext uri="{FF2B5EF4-FFF2-40B4-BE49-F238E27FC236}">
+                <a16:creationId xmlns:a16="http://schemas.microsoft.com/office/drawing/2014/main" id="{301A8163-4A0C-4BCF-B33C-745F58BE77D2}"/>
+              </a:ext>
+            </a:extLst>
+          </p:cNvPr>
+          <p:cNvSpPr>
+            <a:spLocks noGrp="1"/>
+          </p:cNvSpPr>
+          <p:nvPr>
+            <p:ph type="title"/>
+          </p:nvPr>
+        </p:nvSpPr>
+        <p:spPr>
+          <a:xfrm>
+            <a:off x="2103121" y="310343"/>
+            <a:ext cx="7985759" cy="868823"/>
+          </a:xfrm>
+        </p:spPr>
+        <p:txBody>
+          <a:bodyPr vert="horz" lIns="91440" tIns="45720" rIns="91440" bIns="45720" rtlCol="0" anchor="ctr">
+            <a:normAutofit/>
+          </a:bodyPr>
+          <a:lstStyle/>
+          <a:p>
+            <a:pPr algn="ctr"/>
+            <a:r>
+              <a:rPr lang="en-US" sz="2800"/>
+              <a:t>Installation and configuration of Kubernetes on local machine.</a:t>
+            </a:r>
+          </a:p>
+        </p:txBody>
+      </p:sp>
+      <p:pic>
+        <p:nvPicPr>
+          <p:cNvPr id="24" name="Picture 24" descr="A picture containing drawing&#10;&#10;Description generated with very high confidence">
+            <a:extLst>
+              <a:ext uri="{FF2B5EF4-FFF2-40B4-BE49-F238E27FC236}">
+                <a16:creationId xmlns:a16="http://schemas.microsoft.com/office/drawing/2014/main" id="{D2C4840B-86B9-42A9-8777-C480F4FBBD32}"/>
+              </a:ext>
+            </a:extLst>
+          </p:cNvPr>
+          <p:cNvPicPr>
+            <a:picLocks noChangeAspect="1"/>
+          </p:cNvPicPr>
+          <p:nvPr/>
+        </p:nvPicPr>
+        <p:blipFill>
+          <a:blip r:embed="rId2"/>
+          <a:stretch>
+            <a:fillRect/>
+          </a:stretch>
+        </p:blipFill>
+        <p:spPr>
+          <a:xfrm>
+            <a:off x="4778111" y="3105921"/>
+            <a:ext cx="2514603" cy="2523896"/>
+          </a:xfrm>
+          <a:prstGeom prst="rect">
+            <a:avLst/>
+          </a:prstGeom>
+        </p:spPr>
+      </p:pic>
+      <p:pic>
+        <p:nvPicPr>
+          <p:cNvPr id="22" name="Picture 22" descr="A close up of a logo&#10;&#10;Description generated with very high confidence">
+            <a:extLst>
+              <a:ext uri="{FF2B5EF4-FFF2-40B4-BE49-F238E27FC236}">
+                <a16:creationId xmlns:a16="http://schemas.microsoft.com/office/drawing/2014/main" id="{17D19549-1BFE-4083-A6CD-8B82EB74C80E}"/>
+              </a:ext>
+            </a:extLst>
+          </p:cNvPr>
+          <p:cNvPicPr>
+            <a:picLocks noChangeAspect="1"/>
+          </p:cNvPicPr>
+          <p:nvPr/>
+        </p:nvPicPr>
+        <p:blipFill>
+          <a:blip r:embed="rId3"/>
+          <a:stretch>
+            <a:fillRect/>
+          </a:stretch>
+        </p:blipFill>
+        <p:spPr>
+          <a:xfrm>
+            <a:off x="992897" y="3068751"/>
+            <a:ext cx="2685163" cy="2603623"/>
+          </a:xfrm>
+          <a:prstGeom prst="rect">
+            <a:avLst/>
+          </a:prstGeom>
+        </p:spPr>
+      </p:pic>
+      <p:sp>
+        <p:nvSpPr>
+          <p:cNvPr id="27" name="TextBox 26">
+            <a:extLst>
+              <a:ext uri="{FF2B5EF4-FFF2-40B4-BE49-F238E27FC236}">
+                <a16:creationId xmlns:a16="http://schemas.microsoft.com/office/drawing/2014/main" id="{19BA27F2-28DD-455D-ACA8-B81C03E70A19}"/>
+              </a:ext>
+            </a:extLst>
+          </p:cNvPr>
+          <p:cNvSpPr txBox="1"/>
+          <p:nvPr/>
+        </p:nvSpPr>
+        <p:spPr>
+          <a:xfrm>
+            <a:off x="935258" y="2424780"/>
+            <a:ext cx="2743200" cy="461665"/>
+          </a:xfrm>
+          <a:prstGeom prst="rect">
+            <a:avLst/>
+          </a:prstGeom>
+          <a:noFill/>
+        </p:spPr>
+        <p:txBody>
+          <a:bodyPr rot="0" spcFirstLastPara="0" vertOverflow="overflow" horzOverflow="overflow" vert="horz" wrap="square" lIns="91440" tIns="45720" rIns="91440" bIns="45720" numCol="1" spcCol="0" rtlCol="0" fromWordArt="0" anchor="t" anchorCtr="0" forceAA="0" compatLnSpc="1">
+            <a:prstTxWarp prst="textNoShape">
+              <a:avLst/>
+            </a:prstTxWarp>
+            <a:spAutoFit/>
+          </a:bodyPr>
+          <a:lstStyle/>
+          <a:p>
+            <a:r>
+              <a:rPr lang="en-US" sz="2400" dirty="0">
+                <a:solidFill>
+                  <a:schemeClr val="accent2"/>
+                </a:solidFill>
+                <a:hlinkClick r:id="rId4"/>
+              </a:rPr>
+              <a:t>Install Kubernetes</a:t>
+            </a:r>
+          </a:p>
+        </p:txBody>
+      </p:sp>
+      <p:sp>
+        <p:nvSpPr>
+          <p:cNvPr id="28" name="TextBox 27">
+            <a:extLst>
+              <a:ext uri="{FF2B5EF4-FFF2-40B4-BE49-F238E27FC236}">
+                <a16:creationId xmlns:a16="http://schemas.microsoft.com/office/drawing/2014/main" id="{EDD65DFA-C102-40C8-9750-ED72FD73426D}"/>
+              </a:ext>
+            </a:extLst>
+          </p:cNvPr>
+          <p:cNvSpPr txBox="1"/>
+          <p:nvPr/>
+        </p:nvSpPr>
+        <p:spPr>
+          <a:xfrm>
+            <a:off x="4726118" y="2423551"/>
+            <a:ext cx="2743200" cy="461665"/>
+          </a:xfrm>
+          <a:prstGeom prst="rect">
+            <a:avLst/>
+          </a:prstGeom>
+          <a:noFill/>
+        </p:spPr>
+        <p:txBody>
+          <a:bodyPr rot="0" spcFirstLastPara="0" vertOverflow="overflow" horzOverflow="overflow" vert="horz" wrap="square" lIns="91440" tIns="45720" rIns="91440" bIns="45720" numCol="1" spcCol="0" rtlCol="0" fromWordArt="0" anchor="t" anchorCtr="0" forceAA="0" compatLnSpc="1">
+            <a:prstTxWarp prst="textNoShape">
+              <a:avLst/>
+            </a:prstTxWarp>
+            <a:spAutoFit/>
+          </a:bodyPr>
+          <a:lstStyle/>
+          <a:p>
+            <a:r>
+              <a:rPr lang="en-US" sz="2400" dirty="0">
+                <a:hlinkClick r:id="rId5"/>
+              </a:rPr>
+              <a:t>Install Docker</a:t>
+            </a:r>
+            <a:endParaRPr lang="en-US" sz="2000"/>
+          </a:p>
+        </p:txBody>
+      </p:sp>
+      <p:sp>
+        <p:nvSpPr>
+          <p:cNvPr id="30" name="TextBox 29">
+            <a:extLst>
+              <a:ext uri="{FF2B5EF4-FFF2-40B4-BE49-F238E27FC236}">
+                <a16:creationId xmlns:a16="http://schemas.microsoft.com/office/drawing/2014/main" id="{C22CC669-ECD8-4532-B1A3-0A2C0FB69BAA}"/>
+              </a:ext>
+            </a:extLst>
+          </p:cNvPr>
+          <p:cNvSpPr txBox="1"/>
+          <p:nvPr/>
+        </p:nvSpPr>
+        <p:spPr>
+          <a:xfrm>
+            <a:off x="11781182" y="6447182"/>
+            <a:ext cx="2743200" cy="369332"/>
+          </a:xfrm>
+          <a:prstGeom prst="rect">
+            <a:avLst/>
+          </a:prstGeom>
+          <a:noFill/>
+        </p:spPr>
+        <p:txBody>
+          <a:bodyPr rot="0" spcFirstLastPara="0" vertOverflow="overflow" horzOverflow="overflow" vert="horz" wrap="square" lIns="91440" tIns="45720" rIns="91440" bIns="45720" numCol="1" spcCol="0" rtlCol="0" fromWordArt="0" anchor="t" anchorCtr="0" forceAA="0" compatLnSpc="1">
+            <a:prstTxWarp prst="textNoShape">
+              <a:avLst/>
+            </a:prstTxWarp>
+            <a:spAutoFit/>
+          </a:bodyPr>
+          <a:lstStyle/>
+          <a:p>
+            <a:pPr algn="l"/>
+            <a:r>
+              <a:rPr lang="en-US" dirty="0"/>
+              <a:t>5</a:t>
+            </a:r>
+          </a:p>
+        </p:txBody>
+      </p:sp>
+      <p:sp>
+        <p:nvSpPr>
+          <p:cNvPr id="3" name="TextBox 2">
+            <a:extLst>
+              <a:ext uri="{FF2B5EF4-FFF2-40B4-BE49-F238E27FC236}">
+                <a16:creationId xmlns:a16="http://schemas.microsoft.com/office/drawing/2014/main" id="{C1B8647A-1869-43DC-ABF1-D8AE2DD45F06}"/>
+              </a:ext>
+            </a:extLst>
+          </p:cNvPr>
+          <p:cNvSpPr txBox="1"/>
+          <p:nvPr/>
+        </p:nvSpPr>
+        <p:spPr>
+          <a:xfrm>
+            <a:off x="7818863" y="3953107"/>
+            <a:ext cx="3560955" cy="369332"/>
+          </a:xfrm>
+          <a:prstGeom prst="rect">
+            <a:avLst/>
+          </a:prstGeom>
+          <a:noFill/>
+        </p:spPr>
+        <p:txBody>
+          <a:bodyPr rot="0" spcFirstLastPara="0" vertOverflow="overflow" horzOverflow="overflow" vert="horz" wrap="square" lIns="91440" tIns="45720" rIns="91440" bIns="45720" numCol="1" spcCol="0" rtlCol="0" fromWordArt="0" anchor="t" anchorCtr="0" forceAA="0" compatLnSpc="1">
+            <a:prstTxWarp prst="textNoShape">
+              <a:avLst/>
+            </a:prstTxWarp>
+            <a:spAutoFit/>
+          </a:bodyPr>
+          <a:lstStyle/>
+          <a:p>
+            <a:r>
+              <a:rPr lang="en-US" dirty="0">
+                <a:hlinkClick r:id="rId6"/>
+              </a:rPr>
+              <a:t>Note: Enable Virtualization</a:t>
+            </a:r>
+            <a:endParaRPr lang="en-US" dirty="0"/>
+          </a:p>
+        </p:txBody>
+      </p:sp>
+    </p:spTree>
+    <p:extLst>
+      <p:ext uri="{BB962C8B-B14F-4D97-AF65-F5344CB8AC3E}">
+        <p14:creationId xmlns:p14="http://schemas.microsoft.com/office/powerpoint/2010/main" val="2007167929"/>
+      </p:ext>
+    </p:extLst>
+  </p:cSld>
+  <p:clrMapOvr>
+    <a:masterClrMapping/>
+  </p:clrMapOvr>
+</p:sld>
+</file>
+
+<file path=ppt/slides/slide6.xml><?xml version="1.0" encoding="utf-8"?>
+<p:sld xmlns:a="http://schemas.openxmlformats.org/drawingml/2006/main" xmlns:r="http://schemas.openxmlformats.org/officeDocument/2006/relationships" xmlns:p="http://schemas.openxmlformats.org/presentationml/2006/main">
+  <p:cSld>
     <p:bg>
       <p:bgPr>
         <a:solidFill>
@@ -30771,7 +32307,7 @@
             </a:pPr>
             <a:r>
               <a:rPr lang="en-US" dirty="0"/>
-              <a:t>5</a:t>
+              <a:t>6</a:t>
             </a:r>
           </a:p>
         </p:txBody>
@@ -30789,7 +32325,7 @@
 </p:sld>
 </file>
 
-<file path=ppt/slides/slide6.xml><?xml version="1.0" encoding="utf-8"?>
+<file path=ppt/slides/slide7.xml><?xml version="1.0" encoding="utf-8"?>
 <p:sld xmlns:a="http://schemas.openxmlformats.org/drawingml/2006/main" xmlns:r="http://schemas.openxmlformats.org/officeDocument/2006/relationships" xmlns:p="http://schemas.openxmlformats.org/presentationml/2006/main">
   <p:cSld>
     <p:bg>
@@ -31172,7 +32708,7 @@
             </a:pPr>
             <a:r>
               <a:rPr lang="en-US" dirty="0"/>
-              <a:t>6</a:t>
+              <a:t>7</a:t>
             </a:r>
           </a:p>
         </p:txBody>
@@ -31190,7 +32726,7 @@
 </p:sld>
 </file>
 
-<file path=ppt/slides/slide7.xml><?xml version="1.0" encoding="utf-8"?>
+<file path=ppt/slides/slide8.xml><?xml version="1.0" encoding="utf-8"?>
 <p:sld xmlns:a="http://schemas.openxmlformats.org/drawingml/2006/main" xmlns:r="http://schemas.openxmlformats.org/officeDocument/2006/relationships" xmlns:p="http://schemas.openxmlformats.org/presentationml/2006/main">
   <p:cSld>
     <p:bg>
@@ -31570,7 +33106,7 @@
             </a:pPr>
             <a:r>
               <a:rPr lang="en-US" dirty="0"/>
-              <a:t>7</a:t>
+              <a:t>8</a:t>
             </a:r>
           </a:p>
         </p:txBody>
@@ -31588,7 +33124,7 @@
 </p:sld>
 </file>
 
-<file path=ppt/slides/slide8.xml><?xml version="1.0" encoding="utf-8"?>
+<file path=ppt/slides/slide9.xml><?xml version="1.0" encoding="utf-8"?>
 <p:sld xmlns:a="http://schemas.openxmlformats.org/drawingml/2006/main" xmlns:r="http://schemas.openxmlformats.org/officeDocument/2006/relationships" xmlns:p="http://schemas.openxmlformats.org/presentationml/2006/main">
   <p:cSld>
     <p:bg>
@@ -32114,7 +33650,7 @@
             </a:pPr>
             <a:r>
               <a:rPr lang="en-US" dirty="0"/>
-              <a:t>8</a:t>
+              <a:t>9</a:t>
             </a:r>
           </a:p>
         </p:txBody>
@@ -32303,1179 +33839,6 @@
     <p:extLst>
       <p:ext uri="{BB962C8B-B14F-4D97-AF65-F5344CB8AC3E}">
         <p14:creationId xmlns:p14="http://schemas.microsoft.com/office/powerpoint/2010/main" val="4004497372"/>
-      </p:ext>
-    </p:extLst>
-  </p:cSld>
-  <p:clrMapOvr>
-    <a:masterClrMapping/>
-  </p:clrMapOvr>
-</p:sld>
-</file>
-
-<file path=ppt/slides/slide9.xml><?xml version="1.0" encoding="utf-8"?>
-<p:sld xmlns:a="http://schemas.openxmlformats.org/drawingml/2006/main" xmlns:r="http://schemas.openxmlformats.org/officeDocument/2006/relationships" xmlns:p="http://schemas.openxmlformats.org/presentationml/2006/main">
-  <p:cSld>
-    <p:bg>
-      <p:bgPr>
-        <a:solidFill>
-          <a:schemeClr val="bg1"/>
-        </a:solidFill>
-        <a:effectLst/>
-      </p:bgPr>
-    </p:bg>
-    <p:spTree>
-      <p:nvGrpSpPr>
-        <p:cNvPr id="1" name=""/>
-        <p:cNvGrpSpPr/>
-        <p:nvPr/>
-      </p:nvGrpSpPr>
-      <p:grpSpPr>
-        <a:xfrm>
-          <a:off x="0" y="0"/>
-          <a:ext cx="0" cy="0"/>
-          <a:chOff x="0" y="0"/>
-          <a:chExt cx="0" cy="0"/>
-        </a:xfrm>
-      </p:grpSpPr>
-      <p:sp useBgFill="1">
-        <p:nvSpPr>
-          <p:cNvPr id="9" name="Rectangle 11">
-            <a:extLst>
-              <a:ext uri="{FF2B5EF4-FFF2-40B4-BE49-F238E27FC236}">
-                <a16:creationId xmlns:a16="http://schemas.microsoft.com/office/drawing/2014/main" id="{2029D5AD-8348-4446-B191-6A9B6FE03F21}"/>
-              </a:ext>
-              <a:ext uri="{C183D7F6-B498-43B3-948B-1728B52AA6E4}">
-                <adec:decorative xmlns:adec="http://schemas.microsoft.com/office/drawing/2017/decorative" val="1"/>
-              </a:ext>
-            </a:extLst>
-          </p:cNvPr>
-          <p:cNvSpPr>
-            <a:spLocks noGrp="1" noRot="1" noChangeAspect="1" noMove="1" noResize="1" noEditPoints="1" noAdjustHandles="1" noChangeArrowheads="1" noChangeShapeType="1" noTextEdit="1"/>
-          </p:cNvSpPr>
-          <p:nvPr>
-            <p:extLst>
-              <p:ext uri="{386F3935-93C4-4BCD-93E2-E3B085C9AB24}">
-                <p16:designElem xmlns:p16="http://schemas.microsoft.com/office/powerpoint/2015/main" val="1"/>
-              </p:ext>
-            </p:extLst>
-          </p:nvPr>
-        </p:nvSpPr>
-        <p:spPr>
-          <a:xfrm>
-            <a:off x="0" y="0"/>
-            <a:ext cx="12188952" cy="6858000"/>
-          </a:xfrm>
-          <a:prstGeom prst="rect">
-            <a:avLst/>
-          </a:prstGeom>
-          <a:ln>
-            <a:noFill/>
-          </a:ln>
-        </p:spPr>
-        <p:style>
-          <a:lnRef idx="2">
-            <a:schemeClr val="accent1">
-              <a:shade val="50000"/>
-            </a:schemeClr>
-          </a:lnRef>
-          <a:fillRef idx="1">
-            <a:schemeClr val="accent1"/>
-          </a:fillRef>
-          <a:effectRef idx="0">
-            <a:schemeClr val="accent1"/>
-          </a:effectRef>
-          <a:fontRef idx="minor">
-            <a:schemeClr val="lt1"/>
-          </a:fontRef>
-        </p:style>
-        <p:txBody>
-          <a:bodyPr rtlCol="0" anchor="ctr"/>
-          <a:lstStyle/>
-          <a:p>
-            <a:pPr algn="ctr"/>
-            <a:endParaRPr lang="en-US"/>
-          </a:p>
-        </p:txBody>
-      </p:sp>
-      <p:sp useBgFill="1">
-        <p:nvSpPr>
-          <p:cNvPr id="11" name="Freeform: Shape 13">
-            <a:extLst>
-              <a:ext uri="{FF2B5EF4-FFF2-40B4-BE49-F238E27FC236}">
-                <a16:creationId xmlns:a16="http://schemas.microsoft.com/office/drawing/2014/main" id="{A3F395A2-2B64-4749-BD93-2F159C7E1FB5}"/>
-              </a:ext>
-              <a:ext uri="{C183D7F6-B498-43B3-948B-1728B52AA6E4}">
-                <adec:decorative xmlns:adec="http://schemas.microsoft.com/office/drawing/2017/decorative" val="1"/>
-              </a:ext>
-            </a:extLst>
-          </p:cNvPr>
-          <p:cNvSpPr>
-            <a:spLocks noGrp="1" noRot="1" noChangeAspect="1" noMove="1" noResize="1" noEditPoints="1" noAdjustHandles="1" noChangeArrowheads="1" noChangeShapeType="1" noTextEdit="1"/>
-          </p:cNvSpPr>
-          <p:nvPr>
-            <p:extLst>
-              <p:ext uri="{386F3935-93C4-4BCD-93E2-E3B085C9AB24}">
-                <p16:designElem xmlns:p16="http://schemas.microsoft.com/office/powerpoint/2015/main" val="1"/>
-              </p:ext>
-            </p:extLst>
-          </p:nvPr>
-        </p:nvSpPr>
-        <p:spPr>
-          <a:xfrm>
-            <a:off x="0" y="0"/>
-            <a:ext cx="12188952" cy="1899601"/>
-          </a:xfrm>
-          <a:custGeom>
-            <a:avLst/>
-            <a:gdLst>
-              <a:gd name="connsiteX0" fmla="*/ 0 w 12188952"/>
-              <a:gd name="connsiteY0" fmla="*/ 0 h 1899601"/>
-              <a:gd name="connsiteX1" fmla="*/ 12188952 w 12188952"/>
-              <a:gd name="connsiteY1" fmla="*/ 0 h 1899601"/>
-              <a:gd name="connsiteX2" fmla="*/ 12188952 w 12188952"/>
-              <a:gd name="connsiteY2" fmla="*/ 1635106 h 1899601"/>
-              <a:gd name="connsiteX3" fmla="*/ 11356325 w 12188952"/>
-              <a:gd name="connsiteY3" fmla="*/ 1707615 h 1899601"/>
-              <a:gd name="connsiteX4" fmla="*/ 6096001 w 12188952"/>
-              <a:gd name="connsiteY4" fmla="*/ 1899601 h 1899601"/>
-              <a:gd name="connsiteX5" fmla="*/ 835678 w 12188952"/>
-              <a:gd name="connsiteY5" fmla="*/ 1707615 h 1899601"/>
-              <a:gd name="connsiteX6" fmla="*/ 0 w 12188952"/>
-              <a:gd name="connsiteY6" fmla="*/ 1634841 h 1899601"/>
-            </a:gdLst>
-            <a:ahLst/>
-            <a:cxnLst>
-              <a:cxn ang="0">
-                <a:pos x="connsiteX0" y="connsiteY0"/>
-              </a:cxn>
-              <a:cxn ang="0">
-                <a:pos x="connsiteX1" y="connsiteY1"/>
-              </a:cxn>
-              <a:cxn ang="0">
-                <a:pos x="connsiteX2" y="connsiteY2"/>
-              </a:cxn>
-              <a:cxn ang="0">
-                <a:pos x="connsiteX3" y="connsiteY3"/>
-              </a:cxn>
-              <a:cxn ang="0">
-                <a:pos x="connsiteX4" y="connsiteY4"/>
-              </a:cxn>
-              <a:cxn ang="0">
-                <a:pos x="connsiteX5" y="connsiteY5"/>
-              </a:cxn>
-              <a:cxn ang="0">
-                <a:pos x="connsiteX6" y="connsiteY6"/>
-              </a:cxn>
-            </a:cxnLst>
-            <a:rect l="l" t="t" r="r" b="b"/>
-            <a:pathLst>
-              <a:path w="12188952" h="1899601">
-                <a:moveTo>
-                  <a:pt x="0" y="0"/>
-                </a:moveTo>
-                <a:lnTo>
-                  <a:pt x="12188952" y="0"/>
-                </a:lnTo>
-                <a:lnTo>
-                  <a:pt x="12188952" y="1635106"/>
-                </a:lnTo>
-                <a:lnTo>
-                  <a:pt x="11356325" y="1707615"/>
-                </a:lnTo>
-                <a:cubicBezTo>
-                  <a:pt x="9739512" y="1831240"/>
-                  <a:pt x="7961919" y="1899601"/>
-                  <a:pt x="6096001" y="1899601"/>
-                </a:cubicBezTo>
-                <a:cubicBezTo>
-                  <a:pt x="4230084" y="1899601"/>
-                  <a:pt x="2452490" y="1831240"/>
-                  <a:pt x="835678" y="1707615"/>
-                </a:cubicBezTo>
-                <a:lnTo>
-                  <a:pt x="0" y="1634841"/>
-                </a:lnTo>
-                <a:close/>
-              </a:path>
-            </a:pathLst>
-          </a:custGeom>
-          <a:ln w="9525">
-            <a:solidFill>
-              <a:schemeClr val="tx2">
-                <a:lumMod val="10000"/>
-                <a:lumOff val="90000"/>
-              </a:schemeClr>
-            </a:solidFill>
-          </a:ln>
-          <a:effectLst>
-            <a:outerShdw blurRad="50800" dist="38100" dir="2700000" algn="tl" rotWithShape="0">
-              <a:schemeClr val="bg1">
-                <a:lumMod val="85000"/>
-                <a:alpha val="30000"/>
-              </a:schemeClr>
-            </a:outerShdw>
-          </a:effectLst>
-        </p:spPr>
-        <p:style>
-          <a:lnRef idx="2">
-            <a:schemeClr val="accent1">
-              <a:shade val="50000"/>
-            </a:schemeClr>
-          </a:lnRef>
-          <a:fillRef idx="1">
-            <a:schemeClr val="accent1"/>
-          </a:fillRef>
-          <a:effectRef idx="0">
-            <a:schemeClr val="accent1"/>
-          </a:effectRef>
-          <a:fontRef idx="minor">
-            <a:schemeClr val="lt1"/>
-          </a:fontRef>
-        </p:style>
-        <p:txBody>
-          <a:bodyPr wrap="square" rtlCol="0" anchor="ctr">
-            <a:noAutofit/>
-          </a:bodyPr>
-          <a:lstStyle/>
-          <a:p>
-            <a:pPr marL="0" marR="0" lvl="0" indent="0" algn="ctr" defTabSz="914400" rtl="0" eaLnBrk="1" fontAlgn="auto" latinLnBrk="0" hangingPunct="1">
-              <a:lnSpc>
-                <a:spcPct val="100000"/>
-              </a:lnSpc>
-              <a:spcBef>
-                <a:spcPts val="0"/>
-              </a:spcBef>
-              <a:spcAft>
-                <a:spcPts val="0"/>
-              </a:spcAft>
-              <a:buClrTx/>
-              <a:buSzTx/>
-              <a:buFontTx/>
-              <a:buNone/>
-              <a:tabLst/>
-              <a:defRPr/>
-            </a:pPr>
-            <a:endParaRPr kumimoji="0" lang="en-US" sz="1800" b="0" i="0" u="none" strike="noStrike" kern="1200" cap="none" spc="0" normalizeH="0" baseline="0" noProof="0">
-              <a:ln>
-                <a:noFill/>
-              </a:ln>
-              <a:solidFill>
-                <a:prstClr val="white"/>
-              </a:solidFill>
-              <a:effectLst/>
-              <a:uLnTx/>
-              <a:uFillTx/>
-              <a:latin typeface="Calibri" panose="020F0502020204030204"/>
-              <a:ea typeface="+mn-ea"/>
-              <a:cs typeface="+mn-cs"/>
-            </a:endParaRPr>
-          </a:p>
-        </p:txBody>
-      </p:sp>
-      <p:sp useBgFill="1">
-        <p:nvSpPr>
-          <p:cNvPr id="16" name="Freeform: Shape 15">
-            <a:extLst>
-              <a:ext uri="{FF2B5EF4-FFF2-40B4-BE49-F238E27FC236}">
-                <a16:creationId xmlns:a16="http://schemas.microsoft.com/office/drawing/2014/main" id="{5CF0135B-EAB8-4CA0-896C-2D897ECD28BC}"/>
-              </a:ext>
-              <a:ext uri="{C183D7F6-B498-43B3-948B-1728B52AA6E4}">
-                <adec:decorative xmlns:adec="http://schemas.microsoft.com/office/drawing/2017/decorative" val="1"/>
-              </a:ext>
-            </a:extLst>
-          </p:cNvPr>
-          <p:cNvSpPr>
-            <a:spLocks noGrp="1" noRot="1" noChangeAspect="1" noMove="1" noResize="1" noEditPoints="1" noAdjustHandles="1" noChangeArrowheads="1" noChangeShapeType="1" noTextEdit="1"/>
-          </p:cNvSpPr>
-          <p:nvPr>
-            <p:extLst>
-              <p:ext uri="{386F3935-93C4-4BCD-93E2-E3B085C9AB24}">
-                <p16:designElem xmlns:p16="http://schemas.microsoft.com/office/powerpoint/2015/main" val="1"/>
-              </p:ext>
-            </p:extLst>
-          </p:nvPr>
-        </p:nvSpPr>
-        <p:spPr>
-          <a:xfrm>
-            <a:off x="0" y="0"/>
-            <a:ext cx="12192000" cy="1890722"/>
-          </a:xfrm>
-          <a:custGeom>
-            <a:avLst/>
-            <a:gdLst>
-              <a:gd name="connsiteX0" fmla="*/ 0 w 12192000"/>
-              <a:gd name="connsiteY0" fmla="*/ 0 h 1890722"/>
-              <a:gd name="connsiteX1" fmla="*/ 12192000 w 12192000"/>
-              <a:gd name="connsiteY1" fmla="*/ 0 h 1890722"/>
-              <a:gd name="connsiteX2" fmla="*/ 12192000 w 12192000"/>
-              <a:gd name="connsiteY2" fmla="*/ 1626227 h 1890722"/>
-              <a:gd name="connsiteX3" fmla="*/ 11359165 w 12192000"/>
-              <a:gd name="connsiteY3" fmla="*/ 1698736 h 1890722"/>
-              <a:gd name="connsiteX4" fmla="*/ 6097526 w 12192000"/>
-              <a:gd name="connsiteY4" fmla="*/ 1890722 h 1890722"/>
-              <a:gd name="connsiteX5" fmla="*/ 835887 w 12192000"/>
-              <a:gd name="connsiteY5" fmla="*/ 1698736 h 1890722"/>
-              <a:gd name="connsiteX6" fmla="*/ 0 w 12192000"/>
-              <a:gd name="connsiteY6" fmla="*/ 1625962 h 1890722"/>
-            </a:gdLst>
-            <a:ahLst/>
-            <a:cxnLst>
-              <a:cxn ang="0">
-                <a:pos x="connsiteX0" y="connsiteY0"/>
-              </a:cxn>
-              <a:cxn ang="0">
-                <a:pos x="connsiteX1" y="connsiteY1"/>
-              </a:cxn>
-              <a:cxn ang="0">
-                <a:pos x="connsiteX2" y="connsiteY2"/>
-              </a:cxn>
-              <a:cxn ang="0">
-                <a:pos x="connsiteX3" y="connsiteY3"/>
-              </a:cxn>
-              <a:cxn ang="0">
-                <a:pos x="connsiteX4" y="connsiteY4"/>
-              </a:cxn>
-              <a:cxn ang="0">
-                <a:pos x="connsiteX5" y="connsiteY5"/>
-              </a:cxn>
-              <a:cxn ang="0">
-                <a:pos x="connsiteX6" y="connsiteY6"/>
-              </a:cxn>
-            </a:cxnLst>
-            <a:rect l="l" t="t" r="r" b="b"/>
-            <a:pathLst>
-              <a:path w="12192000" h="1890722">
-                <a:moveTo>
-                  <a:pt x="0" y="0"/>
-                </a:moveTo>
-                <a:lnTo>
-                  <a:pt x="12192000" y="0"/>
-                </a:lnTo>
-                <a:lnTo>
-                  <a:pt x="12192000" y="1626227"/>
-                </a:lnTo>
-                <a:lnTo>
-                  <a:pt x="11359165" y="1698736"/>
-                </a:lnTo>
-                <a:cubicBezTo>
-                  <a:pt x="9741947" y="1822361"/>
-                  <a:pt x="7963910" y="1890722"/>
-                  <a:pt x="6097526" y="1890722"/>
-                </a:cubicBezTo>
-                <a:cubicBezTo>
-                  <a:pt x="4231142" y="1890722"/>
-                  <a:pt x="2453104" y="1822361"/>
-                  <a:pt x="835887" y="1698736"/>
-                </a:cubicBezTo>
-                <a:lnTo>
-                  <a:pt x="0" y="1625962"/>
-                </a:lnTo>
-                <a:close/>
-              </a:path>
-            </a:pathLst>
-          </a:custGeom>
-          <a:ln w="9525">
-            <a:noFill/>
-          </a:ln>
-          <a:effectLst/>
-        </p:spPr>
-        <p:style>
-          <a:lnRef idx="2">
-            <a:schemeClr val="accent1">
-              <a:shade val="50000"/>
-            </a:schemeClr>
-          </a:lnRef>
-          <a:fillRef idx="1">
-            <a:schemeClr val="accent1"/>
-          </a:fillRef>
-          <a:effectRef idx="0">
-            <a:schemeClr val="accent1"/>
-          </a:effectRef>
-          <a:fontRef idx="minor">
-            <a:schemeClr val="lt1"/>
-          </a:fontRef>
-        </p:style>
-        <p:txBody>
-          <a:bodyPr wrap="square" rtlCol="0" anchor="ctr">
-            <a:noAutofit/>
-          </a:bodyPr>
-          <a:lstStyle/>
-          <a:p>
-            <a:pPr marL="0" marR="0" lvl="0" indent="0" algn="ctr" defTabSz="914400" rtl="0" eaLnBrk="1" fontAlgn="auto" latinLnBrk="0" hangingPunct="1">
-              <a:lnSpc>
-                <a:spcPct val="100000"/>
-              </a:lnSpc>
-              <a:spcBef>
-                <a:spcPts val="0"/>
-              </a:spcBef>
-              <a:spcAft>
-                <a:spcPts val="0"/>
-              </a:spcAft>
-              <a:buClrTx/>
-              <a:buSzTx/>
-              <a:buFontTx/>
-              <a:buNone/>
-              <a:tabLst/>
-              <a:defRPr/>
-            </a:pPr>
-            <a:endParaRPr kumimoji="0" lang="en-US" sz="1800" b="0" i="0" u="none" strike="noStrike" kern="1200" cap="none" spc="0" normalizeH="0" baseline="0" noProof="0">
-              <a:ln>
-                <a:noFill/>
-              </a:ln>
-              <a:solidFill>
-                <a:prstClr val="white"/>
-              </a:solidFill>
-              <a:effectLst/>
-              <a:uLnTx/>
-              <a:uFillTx/>
-              <a:latin typeface="Calibri" panose="020F0502020204030204"/>
-              <a:ea typeface="+mn-ea"/>
-              <a:cs typeface="+mn-cs"/>
-            </a:endParaRPr>
-          </a:p>
-        </p:txBody>
-      </p:sp>
-      <p:sp>
-        <p:nvSpPr>
-          <p:cNvPr id="2" name="Title 1">
-            <a:extLst>
-              <a:ext uri="{FF2B5EF4-FFF2-40B4-BE49-F238E27FC236}">
-                <a16:creationId xmlns:a16="http://schemas.microsoft.com/office/drawing/2014/main" id="{31114689-44C7-4893-9FC9-09A4C348ADE9}"/>
-              </a:ext>
-            </a:extLst>
-          </p:cNvPr>
-          <p:cNvSpPr>
-            <a:spLocks noGrp="1"/>
-          </p:cNvSpPr>
-          <p:nvPr>
-            <p:ph type="title"/>
-          </p:nvPr>
-        </p:nvSpPr>
-        <p:spPr>
-          <a:xfrm>
-            <a:off x="838200" y="253397"/>
-            <a:ext cx="10515600" cy="1273233"/>
-          </a:xfrm>
-        </p:spPr>
-        <p:txBody>
-          <a:bodyPr>
-            <a:normAutofit/>
-          </a:bodyPr>
-          <a:lstStyle/>
-          <a:p>
-            <a:r>
-              <a:rPr lang="en-US">
-                <a:ea typeface="+mj-lt"/>
-                <a:cs typeface="+mj-lt"/>
-              </a:rPr>
-              <a:t>MLF-DRS - Multi-level Fair Dominant Resource Scheduling</a:t>
-            </a:r>
-          </a:p>
-        </p:txBody>
-      </p:sp>
-      <p:sp>
-        <p:nvSpPr>
-          <p:cNvPr id="18" name="Rectangle 17">
-            <a:extLst>
-              <a:ext uri="{FF2B5EF4-FFF2-40B4-BE49-F238E27FC236}">
-                <a16:creationId xmlns:a16="http://schemas.microsoft.com/office/drawing/2014/main" id="{92C3387C-D24F-4737-8A37-1DC5CFF09CFA}"/>
-              </a:ext>
-              <a:ext uri="{C183D7F6-B498-43B3-948B-1728B52AA6E4}">
-                <adec:decorative xmlns:adec="http://schemas.microsoft.com/office/drawing/2017/decorative" val="1"/>
-              </a:ext>
-            </a:extLst>
-          </p:cNvPr>
-          <p:cNvSpPr>
-            <a:spLocks noGrp="1" noRot="1" noChangeAspect="1" noMove="1" noResize="1" noEditPoints="1" noAdjustHandles="1" noChangeArrowheads="1" noChangeShapeType="1" noTextEdit="1"/>
-          </p:cNvSpPr>
-          <p:nvPr>
-            <p:extLst>
-              <p:ext uri="{386F3935-93C4-4BCD-93E2-E3B085C9AB24}">
-                <p16:designElem xmlns:p16="http://schemas.microsoft.com/office/powerpoint/2015/main" val="1"/>
-              </p:ext>
-            </p:extLst>
-          </p:nvPr>
-        </p:nvSpPr>
-        <p:spPr>
-          <a:xfrm>
-            <a:off x="0" y="524522"/>
-            <a:ext cx="128016" cy="704088"/>
-          </a:xfrm>
-          <a:prstGeom prst="rect">
-            <a:avLst/>
-          </a:prstGeom>
-          <a:solidFill>
-            <a:schemeClr val="accent1"/>
-          </a:solidFill>
-          <a:ln>
-            <a:noFill/>
-          </a:ln>
-        </p:spPr>
-        <p:style>
-          <a:lnRef idx="2">
-            <a:schemeClr val="accent1">
-              <a:shade val="50000"/>
-            </a:schemeClr>
-          </a:lnRef>
-          <a:fillRef idx="1">
-            <a:schemeClr val="accent1"/>
-          </a:fillRef>
-          <a:effectRef idx="0">
-            <a:schemeClr val="accent1"/>
-          </a:effectRef>
-          <a:fontRef idx="minor">
-            <a:schemeClr val="lt1"/>
-          </a:fontRef>
-        </p:style>
-        <p:txBody>
-          <a:bodyPr rtlCol="0" anchor="ctr"/>
-          <a:lstStyle/>
-          <a:p>
-            <a:pPr marL="0" marR="0" lvl="0" indent="0" algn="ctr" defTabSz="914400" rtl="0" eaLnBrk="1" fontAlgn="auto" latinLnBrk="0" hangingPunct="1">
-              <a:lnSpc>
-                <a:spcPct val="100000"/>
-              </a:lnSpc>
-              <a:spcBef>
-                <a:spcPts val="0"/>
-              </a:spcBef>
-              <a:spcAft>
-                <a:spcPts val="0"/>
-              </a:spcAft>
-              <a:buClrTx/>
-              <a:buSzTx/>
-              <a:buFontTx/>
-              <a:buNone/>
-              <a:tabLst/>
-              <a:defRPr/>
-            </a:pPr>
-            <a:endParaRPr kumimoji="0" lang="en-US" sz="1800" b="0" i="0" u="none" strike="noStrike" kern="1200" cap="none" spc="0" normalizeH="0" baseline="0" noProof="0">
-              <a:ln>
-                <a:noFill/>
-              </a:ln>
-              <a:solidFill>
-                <a:prstClr val="white"/>
-              </a:solidFill>
-              <a:effectLst/>
-              <a:uLnTx/>
-              <a:uFillTx/>
-              <a:latin typeface="Calibri" panose="020F0502020204030204"/>
-              <a:ea typeface="+mn-ea"/>
-              <a:cs typeface="+mn-cs"/>
-            </a:endParaRPr>
-          </a:p>
-        </p:txBody>
-      </p:sp>
-      <p:sp>
-        <p:nvSpPr>
-          <p:cNvPr id="3" name="Content Placeholder 2">
-            <a:extLst>
-              <a:ext uri="{FF2B5EF4-FFF2-40B4-BE49-F238E27FC236}">
-                <a16:creationId xmlns:a16="http://schemas.microsoft.com/office/drawing/2014/main" id="{2C3C3A68-CE93-47F9-BE22-D2DDFD3A7DA2}"/>
-              </a:ext>
-            </a:extLst>
-          </p:cNvPr>
-          <p:cNvSpPr>
-            <a:spLocks noGrp="1"/>
-          </p:cNvSpPr>
-          <p:nvPr>
-            <p:ph idx="1"/>
-          </p:nvPr>
-        </p:nvSpPr>
-        <p:spPr>
-          <a:xfrm>
-            <a:off x="838200" y="2478024"/>
-            <a:ext cx="10515600" cy="3694176"/>
-          </a:xfrm>
-        </p:spPr>
-        <p:txBody>
-          <a:bodyPr vert="horz" lIns="91440" tIns="45720" rIns="91440" bIns="45720" rtlCol="0" anchor="t">
-            <a:normAutofit fontScale="85000" lnSpcReduction="20000"/>
-          </a:bodyPr>
-          <a:lstStyle/>
-          <a:p>
-            <a:pPr>
-              <a:lnSpc>
-                <a:spcPct val="100000"/>
-              </a:lnSpc>
-              <a:spcBef>
-                <a:spcPts val="0"/>
-              </a:spcBef>
-              <a:spcAft>
-                <a:spcPts val="600"/>
-              </a:spcAft>
-            </a:pPr>
-            <a:r>
-              <a:rPr lang="en-US" sz="1900" dirty="0">
-                <a:ea typeface="+mn-lt"/>
-                <a:cs typeface="+mn-lt"/>
-              </a:rPr>
-              <a:t>MLF-DRS determines dominant and non-dominant resources as well.</a:t>
-            </a:r>
-          </a:p>
-          <a:p>
-            <a:pPr>
-              <a:lnSpc>
-                <a:spcPct val="100000"/>
-              </a:lnSpc>
-              <a:spcBef>
-                <a:spcPts val="0"/>
-              </a:spcBef>
-              <a:spcAft>
-                <a:spcPts val="600"/>
-              </a:spcAft>
-            </a:pPr>
-            <a:r>
-              <a:rPr lang="en-US" sz="1900" dirty="0">
-                <a:ea typeface="+mn-lt"/>
-                <a:cs typeface="+mn-lt"/>
-              </a:rPr>
-              <a:t>MLF-DRS considers fair share of resources</a:t>
-            </a:r>
-          </a:p>
-          <a:p>
-            <a:pPr lvl="1">
-              <a:lnSpc>
-                <a:spcPct val="100000"/>
-              </a:lnSpc>
-              <a:spcBef>
-                <a:spcPts val="0"/>
-              </a:spcBef>
-              <a:spcAft>
-                <a:spcPts val="600"/>
-              </a:spcAft>
-            </a:pPr>
-            <a:r>
-              <a:rPr lang="en-US" sz="1900" b="1" dirty="0">
-                <a:solidFill>
-                  <a:srgbClr val="C00000"/>
-                </a:solidFill>
-                <a:ea typeface="+mn-lt"/>
-                <a:cs typeface="+mn-lt"/>
-              </a:rPr>
-              <a:t>fc </a:t>
-            </a:r>
-            <a:r>
-              <a:rPr lang="en-US" sz="1900" dirty="0">
-                <a:solidFill>
-                  <a:srgbClr val="C00000"/>
-                </a:solidFill>
-                <a:ea typeface="+mn-lt"/>
-                <a:cs typeface="+mn-lt"/>
-              </a:rPr>
-              <a:t>= Cc / n and </a:t>
-            </a:r>
-            <a:r>
-              <a:rPr lang="en-US" sz="1900" b="1" dirty="0" err="1">
-                <a:solidFill>
-                  <a:srgbClr val="C00000"/>
-                </a:solidFill>
-                <a:ea typeface="+mn-lt"/>
-                <a:cs typeface="+mn-lt"/>
-              </a:rPr>
-              <a:t>fm</a:t>
-            </a:r>
-            <a:r>
-              <a:rPr lang="en-US" sz="1900" dirty="0">
-                <a:solidFill>
-                  <a:srgbClr val="C00000"/>
-                </a:solidFill>
-                <a:ea typeface="+mn-lt"/>
-                <a:cs typeface="+mn-lt"/>
-              </a:rPr>
-              <a:t> = Cm / n, n = # of pods in the node</a:t>
-            </a:r>
-          </a:p>
-          <a:p>
-            <a:pPr lvl="1">
-              <a:lnSpc>
-                <a:spcPct val="100000"/>
-              </a:lnSpc>
-              <a:spcBef>
-                <a:spcPts val="0"/>
-              </a:spcBef>
-              <a:spcAft>
-                <a:spcPts val="600"/>
-              </a:spcAft>
-            </a:pPr>
-            <a:r>
-              <a:rPr lang="en-US" sz="1900" dirty="0">
-                <a:ea typeface="+mn-lt"/>
-                <a:cs typeface="+mn-lt"/>
-              </a:rPr>
-              <a:t>Ex: Cc = 900m =&gt; fc = 450m</a:t>
-            </a:r>
-          </a:p>
-          <a:p>
-            <a:pPr lvl="1">
-              <a:lnSpc>
-                <a:spcPct val="100000"/>
-              </a:lnSpc>
-              <a:spcBef>
-                <a:spcPts val="0"/>
-              </a:spcBef>
-              <a:spcAft>
-                <a:spcPts val="600"/>
-              </a:spcAft>
-            </a:pPr>
-            <a:r>
-              <a:rPr lang="en-US" sz="1900" dirty="0">
-                <a:ea typeface="+mn-lt"/>
-                <a:cs typeface="+mn-lt"/>
-              </a:rPr>
-              <a:t>Ex: Cm = 1800mi =&gt; </a:t>
-            </a:r>
-            <a:r>
-              <a:rPr lang="en-US" sz="1900" dirty="0" err="1">
-                <a:ea typeface="+mn-lt"/>
-                <a:cs typeface="+mn-lt"/>
-              </a:rPr>
-              <a:t>fm</a:t>
-            </a:r>
-            <a:r>
-              <a:rPr lang="en-US" sz="1900" dirty="0">
-                <a:ea typeface="+mn-lt"/>
-                <a:cs typeface="+mn-lt"/>
-              </a:rPr>
-              <a:t> = 900mi</a:t>
-            </a:r>
-          </a:p>
-          <a:p>
-            <a:pPr>
-              <a:lnSpc>
-                <a:spcPct val="100000"/>
-              </a:lnSpc>
-              <a:spcBef>
-                <a:spcPts val="0"/>
-              </a:spcBef>
-              <a:spcAft>
-                <a:spcPts val="600"/>
-              </a:spcAft>
-            </a:pPr>
-            <a:r>
-              <a:rPr lang="en-US" sz="1900" dirty="0">
-                <a:ea typeface="+mn-lt"/>
-                <a:cs typeface="+mn-lt"/>
-              </a:rPr>
-              <a:t>Two users A and B submit task to a node with the capacity of the resources is Cc and Cm</a:t>
-            </a:r>
-          </a:p>
-          <a:p>
-            <a:pPr lvl="1">
-              <a:lnSpc>
-                <a:spcPct val="100000"/>
-              </a:lnSpc>
-              <a:spcBef>
-                <a:spcPts val="0"/>
-              </a:spcBef>
-              <a:spcAft>
-                <a:spcPts val="600"/>
-              </a:spcAft>
-            </a:pPr>
-            <a:r>
-              <a:rPr lang="en-US" sz="1900" dirty="0">
-                <a:solidFill>
-                  <a:srgbClr val="C00000"/>
-                </a:solidFill>
-                <a:ea typeface="+mn-lt"/>
-                <a:cs typeface="+mn-lt"/>
-              </a:rPr>
-              <a:t>Demand vector (</a:t>
-            </a:r>
-            <a:r>
-              <a:rPr lang="en-US" sz="1900" dirty="0" err="1">
-                <a:solidFill>
-                  <a:srgbClr val="C00000"/>
-                </a:solidFill>
-                <a:ea typeface="+mn-lt"/>
-                <a:cs typeface="+mn-lt"/>
-              </a:rPr>
-              <a:t>dcA</a:t>
-            </a:r>
-            <a:r>
-              <a:rPr lang="en-US" sz="1900" dirty="0">
-                <a:solidFill>
-                  <a:srgbClr val="C00000"/>
-                </a:solidFill>
-                <a:ea typeface="+mn-lt"/>
-                <a:cs typeface="+mn-lt"/>
-              </a:rPr>
-              <a:t>, </a:t>
-            </a:r>
-            <a:r>
-              <a:rPr lang="en-US" sz="1900" dirty="0" err="1">
-                <a:solidFill>
-                  <a:srgbClr val="C00000"/>
-                </a:solidFill>
-                <a:ea typeface="+mn-lt"/>
-                <a:cs typeface="+mn-lt"/>
-              </a:rPr>
-              <a:t>dmA</a:t>
-            </a:r>
-            <a:r>
-              <a:rPr lang="en-US" sz="1900" dirty="0">
-                <a:solidFill>
-                  <a:srgbClr val="C00000"/>
-                </a:solidFill>
-                <a:ea typeface="+mn-lt"/>
-                <a:cs typeface="+mn-lt"/>
-              </a:rPr>
-              <a:t>) and (</a:t>
-            </a:r>
-            <a:r>
-              <a:rPr lang="en-US" sz="1900" dirty="0" err="1">
-                <a:solidFill>
-                  <a:srgbClr val="C00000"/>
-                </a:solidFill>
-                <a:ea typeface="+mn-lt"/>
-                <a:cs typeface="+mn-lt"/>
-              </a:rPr>
-              <a:t>dcB</a:t>
-            </a:r>
-            <a:r>
-              <a:rPr lang="en-US" sz="1900" dirty="0">
-                <a:solidFill>
-                  <a:srgbClr val="C00000"/>
-                </a:solidFill>
-                <a:ea typeface="+mn-lt"/>
-                <a:cs typeface="+mn-lt"/>
-              </a:rPr>
-              <a:t>, </a:t>
-            </a:r>
-            <a:r>
-              <a:rPr lang="en-US" sz="1900" dirty="0" err="1">
-                <a:solidFill>
-                  <a:srgbClr val="C00000"/>
-                </a:solidFill>
-                <a:ea typeface="+mn-lt"/>
-                <a:cs typeface="+mn-lt"/>
-              </a:rPr>
-              <a:t>drB</a:t>
-            </a:r>
-            <a:r>
-              <a:rPr lang="en-US" sz="1900" dirty="0">
-                <a:solidFill>
-                  <a:srgbClr val="C00000"/>
-                </a:solidFill>
-                <a:ea typeface="+mn-lt"/>
-                <a:cs typeface="+mn-lt"/>
-              </a:rPr>
-              <a:t>).</a:t>
-            </a:r>
-          </a:p>
-          <a:p>
-            <a:pPr lvl="1">
-              <a:lnSpc>
-                <a:spcPct val="100000"/>
-              </a:lnSpc>
-              <a:spcBef>
-                <a:spcPts val="0"/>
-              </a:spcBef>
-              <a:spcAft>
-                <a:spcPts val="600"/>
-              </a:spcAft>
-            </a:pPr>
-            <a:r>
-              <a:rPr lang="en-US" sz="1900" dirty="0">
-                <a:ea typeface="+mn-lt"/>
-                <a:cs typeface="+mn-lt"/>
-              </a:rPr>
-              <a:t>Ex: (100m, 400mi) and (300m, 100mi)</a:t>
-            </a:r>
-          </a:p>
-          <a:p>
-            <a:pPr>
-              <a:lnSpc>
-                <a:spcPct val="100000"/>
-              </a:lnSpc>
-              <a:spcBef>
-                <a:spcPts val="0"/>
-              </a:spcBef>
-              <a:spcAft>
-                <a:spcPts val="600"/>
-              </a:spcAft>
-            </a:pPr>
-            <a:r>
-              <a:rPr lang="en-US" sz="1900" dirty="0">
-                <a:ea typeface="+mn-lt"/>
-                <a:cs typeface="+mn-lt"/>
-              </a:rPr>
-              <a:t>MLF-DRS calculates non-dominant resources of users</a:t>
-            </a:r>
-          </a:p>
-          <a:p>
-            <a:pPr lvl="1">
-              <a:lnSpc>
-                <a:spcPct val="100000"/>
-              </a:lnSpc>
-              <a:spcBef>
-                <a:spcPts val="0"/>
-              </a:spcBef>
-              <a:spcAft>
-                <a:spcPts val="600"/>
-              </a:spcAft>
-            </a:pPr>
-            <a:r>
-              <a:rPr lang="en-US" sz="1900" dirty="0" err="1">
-                <a:solidFill>
-                  <a:srgbClr val="C00000"/>
-                </a:solidFill>
-                <a:ea typeface="+mn-lt"/>
-                <a:cs typeface="+mn-lt"/>
-              </a:rPr>
-              <a:t>nondomA</a:t>
-            </a:r>
-            <a:r>
-              <a:rPr lang="en-US" sz="1900" dirty="0">
-                <a:solidFill>
-                  <a:srgbClr val="C00000"/>
-                </a:solidFill>
-                <a:ea typeface="+mn-lt"/>
-                <a:cs typeface="+mn-lt"/>
-              </a:rPr>
-              <a:t> = min(</a:t>
-            </a:r>
-            <a:r>
-              <a:rPr lang="en-US" sz="1900" dirty="0" err="1">
-                <a:solidFill>
-                  <a:srgbClr val="C00000"/>
-                </a:solidFill>
-                <a:ea typeface="+mn-lt"/>
-                <a:cs typeface="+mn-lt"/>
-              </a:rPr>
-              <a:t>dcA</a:t>
-            </a:r>
-            <a:r>
-              <a:rPr lang="en-US" sz="1900" dirty="0">
-                <a:solidFill>
-                  <a:srgbClr val="C00000"/>
-                </a:solidFill>
-                <a:ea typeface="+mn-lt"/>
-                <a:cs typeface="+mn-lt"/>
-              </a:rPr>
-              <a:t> / Cc, </a:t>
-            </a:r>
-            <a:r>
-              <a:rPr lang="en-US" sz="1900" dirty="0" err="1">
-                <a:solidFill>
-                  <a:srgbClr val="C00000"/>
-                </a:solidFill>
-                <a:ea typeface="+mn-lt"/>
-                <a:cs typeface="+mn-lt"/>
-              </a:rPr>
-              <a:t>dmA</a:t>
-            </a:r>
-            <a:r>
-              <a:rPr lang="en-US" sz="1900" dirty="0">
-                <a:solidFill>
-                  <a:srgbClr val="C00000"/>
-                </a:solidFill>
-                <a:ea typeface="+mn-lt"/>
-                <a:cs typeface="+mn-lt"/>
-              </a:rPr>
-              <a:t> / Cm) </a:t>
-            </a:r>
-          </a:p>
-          <a:p>
-            <a:pPr lvl="1">
-              <a:lnSpc>
-                <a:spcPct val="100000"/>
-              </a:lnSpc>
-              <a:spcBef>
-                <a:spcPts val="0"/>
-              </a:spcBef>
-              <a:spcAft>
-                <a:spcPts val="600"/>
-              </a:spcAft>
-            </a:pPr>
-            <a:r>
-              <a:rPr lang="en-US" sz="1900" dirty="0">
-                <a:ea typeface="+mn-lt"/>
-                <a:cs typeface="+mn-lt"/>
-              </a:rPr>
-              <a:t>Ex: </a:t>
-            </a:r>
-            <a:r>
-              <a:rPr lang="en-US" sz="1900" dirty="0" err="1">
-                <a:ea typeface="+mn-lt"/>
-                <a:cs typeface="+mn-lt"/>
-              </a:rPr>
-              <a:t>nondomA</a:t>
-            </a:r>
-            <a:r>
-              <a:rPr lang="en-US" sz="1900" dirty="0">
-                <a:ea typeface="+mn-lt"/>
-                <a:cs typeface="+mn-lt"/>
-              </a:rPr>
-              <a:t> = memory</a:t>
-            </a:r>
-          </a:p>
-          <a:p>
-            <a:pPr lvl="1">
-              <a:lnSpc>
-                <a:spcPct val="100000"/>
-              </a:lnSpc>
-              <a:spcBef>
-                <a:spcPts val="0"/>
-              </a:spcBef>
-              <a:spcAft>
-                <a:spcPts val="600"/>
-              </a:spcAft>
-            </a:pPr>
-            <a:r>
-              <a:rPr lang="en-US" sz="1900" dirty="0" err="1">
-                <a:solidFill>
-                  <a:srgbClr val="C00000"/>
-                </a:solidFill>
-                <a:ea typeface="+mn-lt"/>
-                <a:cs typeface="+mn-lt"/>
-              </a:rPr>
-              <a:t>nondomB</a:t>
-            </a:r>
-            <a:r>
-              <a:rPr lang="en-US" sz="1900" dirty="0">
-                <a:solidFill>
-                  <a:srgbClr val="C00000"/>
-                </a:solidFill>
-                <a:ea typeface="+mn-lt"/>
-                <a:cs typeface="+mn-lt"/>
-              </a:rPr>
-              <a:t> = min(</a:t>
-            </a:r>
-            <a:r>
-              <a:rPr lang="en-US" sz="1900" dirty="0" err="1">
-                <a:solidFill>
-                  <a:srgbClr val="C00000"/>
-                </a:solidFill>
-                <a:ea typeface="+mn-lt"/>
-                <a:cs typeface="+mn-lt"/>
-              </a:rPr>
-              <a:t>dcB</a:t>
-            </a:r>
-            <a:r>
-              <a:rPr lang="en-US" sz="1900" dirty="0">
-                <a:solidFill>
-                  <a:srgbClr val="C00000"/>
-                </a:solidFill>
-                <a:ea typeface="+mn-lt"/>
-                <a:cs typeface="+mn-lt"/>
-              </a:rPr>
-              <a:t> / Cc, </a:t>
-            </a:r>
-            <a:r>
-              <a:rPr lang="en-US" sz="1900" dirty="0" err="1">
-                <a:solidFill>
-                  <a:srgbClr val="C00000"/>
-                </a:solidFill>
-                <a:ea typeface="+mn-lt"/>
-                <a:cs typeface="+mn-lt"/>
-              </a:rPr>
-              <a:t>dmB</a:t>
-            </a:r>
-            <a:r>
-              <a:rPr lang="en-US" sz="1900" dirty="0">
-                <a:solidFill>
-                  <a:srgbClr val="C00000"/>
-                </a:solidFill>
-                <a:ea typeface="+mn-lt"/>
-                <a:cs typeface="+mn-lt"/>
-              </a:rPr>
-              <a:t> / Cm) </a:t>
-            </a:r>
-          </a:p>
-          <a:p>
-            <a:pPr lvl="1">
-              <a:lnSpc>
-                <a:spcPct val="100000"/>
-              </a:lnSpc>
-              <a:spcBef>
-                <a:spcPts val="0"/>
-              </a:spcBef>
-              <a:spcAft>
-                <a:spcPts val="600"/>
-              </a:spcAft>
-            </a:pPr>
-            <a:r>
-              <a:rPr lang="en-US" sz="1900" dirty="0">
-                <a:ea typeface="+mn-lt"/>
-                <a:cs typeface="+mn-lt"/>
-              </a:rPr>
-              <a:t>Ex: </a:t>
-            </a:r>
-            <a:r>
-              <a:rPr lang="en-US" sz="1900" dirty="0" err="1">
-                <a:ea typeface="+mn-lt"/>
-                <a:cs typeface="+mn-lt"/>
-              </a:rPr>
-              <a:t>nondomB</a:t>
-            </a:r>
-            <a:r>
-              <a:rPr lang="en-US" sz="1900" dirty="0">
-                <a:ea typeface="+mn-lt"/>
-                <a:cs typeface="+mn-lt"/>
-              </a:rPr>
-              <a:t> = </a:t>
-            </a:r>
-            <a:r>
-              <a:rPr lang="en-US" sz="1900" dirty="0" err="1">
-                <a:ea typeface="+mn-lt"/>
-                <a:cs typeface="+mn-lt"/>
-              </a:rPr>
-              <a:t>cpu</a:t>
-            </a:r>
-            <a:endParaRPr lang="en-US" sz="1900" dirty="0">
-              <a:ea typeface="+mn-lt"/>
-              <a:cs typeface="+mn-lt"/>
-            </a:endParaRPr>
-          </a:p>
-        </p:txBody>
-      </p:sp>
-      <p:sp>
-        <p:nvSpPr>
-          <p:cNvPr id="8" name="TextBox 7">
-            <a:extLst>
-              <a:ext uri="{FF2B5EF4-FFF2-40B4-BE49-F238E27FC236}">
-                <a16:creationId xmlns:a16="http://schemas.microsoft.com/office/drawing/2014/main" id="{6D147768-8D5C-E444-AE8C-3E58373651CF}"/>
-              </a:ext>
-            </a:extLst>
-          </p:cNvPr>
-          <p:cNvSpPr txBox="1"/>
-          <p:nvPr/>
-        </p:nvSpPr>
-        <p:spPr>
-          <a:xfrm>
-            <a:off x="11769020" y="6491551"/>
-            <a:ext cx="323654" cy="369332"/>
-          </a:xfrm>
-          <a:prstGeom prst="rect">
-            <a:avLst/>
-          </a:prstGeom>
-          <a:noFill/>
-        </p:spPr>
-        <p:txBody>
-          <a:bodyPr rot="0" spcFirstLastPara="0" vertOverflow="overflow" horzOverflow="overflow" vert="horz" wrap="square" lIns="91440" tIns="45720" rIns="91440" bIns="45720" numCol="1" spcCol="0" rtlCol="0" fromWordArt="0" anchor="t" anchorCtr="0" forceAA="0" compatLnSpc="1">
-            <a:prstTxWarp prst="textNoShape">
-              <a:avLst/>
-            </a:prstTxWarp>
-            <a:spAutoFit/>
-          </a:bodyPr>
-          <a:lstStyle/>
-          <a:p>
-            <a:pPr>
-              <a:spcAft>
-                <a:spcPts val="600"/>
-              </a:spcAft>
-            </a:pPr>
-            <a:r>
-              <a:rPr lang="en-US" dirty="0"/>
-              <a:t>9</a:t>
-            </a:r>
-          </a:p>
-        </p:txBody>
-      </p:sp>
-    </p:spTree>
-    <p:extLst>
-      <p:ext uri="{BB962C8B-B14F-4D97-AF65-F5344CB8AC3E}">
-        <p14:creationId xmlns:p14="http://schemas.microsoft.com/office/powerpoint/2010/main" val="1552391780"/>
       </p:ext>
     </p:extLst>
   </p:cSld>
